--- a/slide/value_category_and_move_semantic.pptx
+++ b/slide/value_category_and_move_semantic.pptx
@@ -5,7 +5,7 @@
     <p:sldMasterId id="2147483648" r:id="rId1"/>
   </p:sldMasterIdLst>
   <p:notesMasterIdLst>
-    <p:notesMasterId r:id="rId11"/>
+    <p:notesMasterId r:id="rId15"/>
   </p:notesMasterIdLst>
   <p:sldIdLst>
     <p:sldId id="256" r:id="rId2"/>
@@ -17,6 +17,10 @@
     <p:sldId id="262" r:id="rId8"/>
     <p:sldId id="263" r:id="rId9"/>
     <p:sldId id="264" r:id="rId10"/>
+    <p:sldId id="265" r:id="rId11"/>
+    <p:sldId id="266" r:id="rId12"/>
+    <p:sldId id="267" r:id="rId13"/>
+    <p:sldId id="268" r:id="rId14"/>
   </p:sldIdLst>
   <p:sldSz cx="12192000" cy="6858000"/>
   <p:notesSz cx="6858000" cy="9144000"/>
@@ -115,6 +119,11 @@
       </a:defRPr>
     </a:lvl9pPr>
   </p:defaultTextStyle>
+  <p:extLst>
+    <p:ext uri="{EFAFB233-063F-42B5-8137-9DF3F51BA10A}">
+      <p15:sldGuideLst xmlns:p15="http://schemas.microsoft.com/office/powerpoint/2012/main"/>
+    </p:ext>
+  </p:extLst>
 </p:presentation>
 </file>
 
@@ -200,7 +209,7 @@
           <a:p>
             <a:fld id="{AA740DC7-5088-45E5-B1BA-75A66E6BB66D}" type="datetimeFigureOut">
               <a:rPr lang="en-US" smtClean="0"/>
-              <a:t>12/31/2024</a:t>
+              <a:t>1/2/2025</a:t>
             </a:fld>
             <a:endParaRPr lang="en-US"/>
           </a:p>
@@ -551,6 +560,222 @@
 </p:notes>
 </file>
 
+<file path=ppt/notesSlides/notesSlide10.xml><?xml version="1.0" encoding="utf-8"?>
+<p:notes xmlns:a="http://schemas.openxmlformats.org/drawingml/2006/main" xmlns:r="http://schemas.openxmlformats.org/officeDocument/2006/relationships" xmlns:p="http://schemas.openxmlformats.org/presentationml/2006/main">
+  <p:cSld>
+    <p:spTree>
+      <p:nvGrpSpPr>
+        <p:cNvPr id="1" name="">
+          <a:extLst>
+            <a:ext uri="{FF2B5EF4-FFF2-40B4-BE49-F238E27FC236}">
+              <a16:creationId xmlns:a16="http://schemas.microsoft.com/office/drawing/2014/main" id="{81567CB5-1037-AFBA-64E6-6D901F5A4981}"/>
+            </a:ext>
+          </a:extLst>
+        </p:cNvPr>
+        <p:cNvGrpSpPr/>
+        <p:nvPr/>
+      </p:nvGrpSpPr>
+      <p:grpSpPr>
+        <a:xfrm>
+          <a:off x="0" y="0"/>
+          <a:ext cx="0" cy="0"/>
+          <a:chOff x="0" y="0"/>
+          <a:chExt cx="0" cy="0"/>
+        </a:xfrm>
+      </p:grpSpPr>
+      <p:sp>
+        <p:nvSpPr>
+          <p:cNvPr id="2" name="Slide Image Placeholder 1">
+            <a:extLst>
+              <a:ext uri="{FF2B5EF4-FFF2-40B4-BE49-F238E27FC236}">
+                <a16:creationId xmlns:a16="http://schemas.microsoft.com/office/drawing/2014/main" id="{60138F8F-1212-72DD-059E-6393CD3A42B3}"/>
+              </a:ext>
+            </a:extLst>
+          </p:cNvPr>
+          <p:cNvSpPr>
+            <a:spLocks noGrp="1" noRot="1" noChangeAspect="1"/>
+          </p:cNvSpPr>
+          <p:nvPr>
+            <p:ph type="sldImg"/>
+          </p:nvPr>
+        </p:nvSpPr>
+        <p:spPr/>
+      </p:sp>
+      <p:sp>
+        <p:nvSpPr>
+          <p:cNvPr id="3" name="Notes Placeholder 2">
+            <a:extLst>
+              <a:ext uri="{FF2B5EF4-FFF2-40B4-BE49-F238E27FC236}">
+                <a16:creationId xmlns:a16="http://schemas.microsoft.com/office/drawing/2014/main" id="{3AEA1530-05F2-3564-2384-10316F703568}"/>
+              </a:ext>
+            </a:extLst>
+          </p:cNvPr>
+          <p:cNvSpPr>
+            <a:spLocks noGrp="1"/>
+          </p:cNvSpPr>
+          <p:nvPr>
+            <p:ph type="body" idx="1"/>
+          </p:nvPr>
+        </p:nvSpPr>
+        <p:spPr/>
+        <p:txBody>
+          <a:bodyPr/>
+          <a:lstStyle/>
+          <a:p>
+            <a:endParaRPr lang="en-US" dirty="0"/>
+          </a:p>
+        </p:txBody>
+      </p:sp>
+      <p:sp>
+        <p:nvSpPr>
+          <p:cNvPr id="4" name="Slide Number Placeholder 3">
+            <a:extLst>
+              <a:ext uri="{FF2B5EF4-FFF2-40B4-BE49-F238E27FC236}">
+                <a16:creationId xmlns:a16="http://schemas.microsoft.com/office/drawing/2014/main" id="{637563BA-DAA6-C33D-C479-B20C26FAAC5A}"/>
+              </a:ext>
+            </a:extLst>
+          </p:cNvPr>
+          <p:cNvSpPr>
+            <a:spLocks noGrp="1"/>
+          </p:cNvSpPr>
+          <p:nvPr>
+            <p:ph type="sldNum" sz="quarter" idx="5"/>
+          </p:nvPr>
+        </p:nvSpPr>
+        <p:spPr/>
+        <p:txBody>
+          <a:bodyPr/>
+          <a:lstStyle/>
+          <a:p>
+            <a:fld id="{BF687E30-B67E-4869-B766-5FF8F15F5C5C}" type="slidenum">
+              <a:rPr lang="en-US" smtClean="0"/>
+              <a:t>12</a:t>
+            </a:fld>
+            <a:endParaRPr lang="en-US"/>
+          </a:p>
+        </p:txBody>
+      </p:sp>
+    </p:spTree>
+    <p:extLst>
+      <p:ext uri="{BB962C8B-B14F-4D97-AF65-F5344CB8AC3E}">
+        <p14:creationId xmlns:p14="http://schemas.microsoft.com/office/powerpoint/2010/main" val="3219141568"/>
+      </p:ext>
+    </p:extLst>
+  </p:cSld>
+  <p:clrMapOvr>
+    <a:masterClrMapping/>
+  </p:clrMapOvr>
+</p:notes>
+</file>
+
+<file path=ppt/notesSlides/notesSlide11.xml><?xml version="1.0" encoding="utf-8"?>
+<p:notes xmlns:a="http://schemas.openxmlformats.org/drawingml/2006/main" xmlns:r="http://schemas.openxmlformats.org/officeDocument/2006/relationships" xmlns:p="http://schemas.openxmlformats.org/presentationml/2006/main">
+  <p:cSld>
+    <p:spTree>
+      <p:nvGrpSpPr>
+        <p:cNvPr id="1" name="">
+          <a:extLst>
+            <a:ext uri="{FF2B5EF4-FFF2-40B4-BE49-F238E27FC236}">
+              <a16:creationId xmlns:a16="http://schemas.microsoft.com/office/drawing/2014/main" id="{20732766-E154-14BB-3E87-37B6ABA80B34}"/>
+            </a:ext>
+          </a:extLst>
+        </p:cNvPr>
+        <p:cNvGrpSpPr/>
+        <p:nvPr/>
+      </p:nvGrpSpPr>
+      <p:grpSpPr>
+        <a:xfrm>
+          <a:off x="0" y="0"/>
+          <a:ext cx="0" cy="0"/>
+          <a:chOff x="0" y="0"/>
+          <a:chExt cx="0" cy="0"/>
+        </a:xfrm>
+      </p:grpSpPr>
+      <p:sp>
+        <p:nvSpPr>
+          <p:cNvPr id="2" name="Slide Image Placeholder 1">
+            <a:extLst>
+              <a:ext uri="{FF2B5EF4-FFF2-40B4-BE49-F238E27FC236}">
+                <a16:creationId xmlns:a16="http://schemas.microsoft.com/office/drawing/2014/main" id="{36A79903-02E7-3176-515B-F6548152A35A}"/>
+              </a:ext>
+            </a:extLst>
+          </p:cNvPr>
+          <p:cNvSpPr>
+            <a:spLocks noGrp="1" noRot="1" noChangeAspect="1"/>
+          </p:cNvSpPr>
+          <p:nvPr>
+            <p:ph type="sldImg"/>
+          </p:nvPr>
+        </p:nvSpPr>
+        <p:spPr/>
+      </p:sp>
+      <p:sp>
+        <p:nvSpPr>
+          <p:cNvPr id="3" name="Notes Placeholder 2">
+            <a:extLst>
+              <a:ext uri="{FF2B5EF4-FFF2-40B4-BE49-F238E27FC236}">
+                <a16:creationId xmlns:a16="http://schemas.microsoft.com/office/drawing/2014/main" id="{F8890C74-9CB3-129A-A711-EDF95E52ADEF}"/>
+              </a:ext>
+            </a:extLst>
+          </p:cNvPr>
+          <p:cNvSpPr>
+            <a:spLocks noGrp="1"/>
+          </p:cNvSpPr>
+          <p:nvPr>
+            <p:ph type="body" idx="1"/>
+          </p:nvPr>
+        </p:nvSpPr>
+        <p:spPr/>
+        <p:txBody>
+          <a:bodyPr/>
+          <a:lstStyle/>
+          <a:p>
+            <a:endParaRPr lang="en-US" dirty="0"/>
+          </a:p>
+        </p:txBody>
+      </p:sp>
+      <p:sp>
+        <p:nvSpPr>
+          <p:cNvPr id="4" name="Slide Number Placeholder 3">
+            <a:extLst>
+              <a:ext uri="{FF2B5EF4-FFF2-40B4-BE49-F238E27FC236}">
+                <a16:creationId xmlns:a16="http://schemas.microsoft.com/office/drawing/2014/main" id="{9EC732B3-E93A-2A63-137B-799C9D3D7EC8}"/>
+              </a:ext>
+            </a:extLst>
+          </p:cNvPr>
+          <p:cNvSpPr>
+            <a:spLocks noGrp="1"/>
+          </p:cNvSpPr>
+          <p:nvPr>
+            <p:ph type="sldNum" sz="quarter" idx="5"/>
+          </p:nvPr>
+        </p:nvSpPr>
+        <p:spPr/>
+        <p:txBody>
+          <a:bodyPr/>
+          <a:lstStyle/>
+          <a:p>
+            <a:fld id="{BF687E30-B67E-4869-B766-5FF8F15F5C5C}" type="slidenum">
+              <a:rPr lang="en-US" smtClean="0"/>
+              <a:t>13</a:t>
+            </a:fld>
+            <a:endParaRPr lang="en-US"/>
+          </a:p>
+        </p:txBody>
+      </p:sp>
+    </p:spTree>
+    <p:extLst>
+      <p:ext uri="{BB962C8B-B14F-4D97-AF65-F5344CB8AC3E}">
+        <p14:creationId xmlns:p14="http://schemas.microsoft.com/office/powerpoint/2010/main" val="2863371079"/>
+      </p:ext>
+    </p:extLst>
+  </p:cSld>
+  <p:clrMapOvr>
+    <a:masterClrMapping/>
+  </p:clrMapOvr>
+</p:notes>
+</file>
+
 <file path=ppt/notesSlides/notesSlide2.xml><?xml version="1.0" encoding="utf-8"?>
 <p:notes xmlns:a="http://schemas.openxmlformats.org/drawingml/2006/main" xmlns:r="http://schemas.openxmlformats.org/officeDocument/2006/relationships" xmlns:p="http://schemas.openxmlformats.org/presentationml/2006/main">
   <p:cSld>
@@ -1307,6 +1532,114 @@
 </p:notes>
 </file>
 
+<file path=ppt/notesSlides/notesSlide9.xml><?xml version="1.0" encoding="utf-8"?>
+<p:notes xmlns:a="http://schemas.openxmlformats.org/drawingml/2006/main" xmlns:r="http://schemas.openxmlformats.org/officeDocument/2006/relationships" xmlns:p="http://schemas.openxmlformats.org/presentationml/2006/main">
+  <p:cSld>
+    <p:spTree>
+      <p:nvGrpSpPr>
+        <p:cNvPr id="1" name="">
+          <a:extLst>
+            <a:ext uri="{FF2B5EF4-FFF2-40B4-BE49-F238E27FC236}">
+              <a16:creationId xmlns:a16="http://schemas.microsoft.com/office/drawing/2014/main" id="{3878F010-3EA0-298B-E68E-7ADC9CEBD1ED}"/>
+            </a:ext>
+          </a:extLst>
+        </p:cNvPr>
+        <p:cNvGrpSpPr/>
+        <p:nvPr/>
+      </p:nvGrpSpPr>
+      <p:grpSpPr>
+        <a:xfrm>
+          <a:off x="0" y="0"/>
+          <a:ext cx="0" cy="0"/>
+          <a:chOff x="0" y="0"/>
+          <a:chExt cx="0" cy="0"/>
+        </a:xfrm>
+      </p:grpSpPr>
+      <p:sp>
+        <p:nvSpPr>
+          <p:cNvPr id="2" name="Slide Image Placeholder 1">
+            <a:extLst>
+              <a:ext uri="{FF2B5EF4-FFF2-40B4-BE49-F238E27FC236}">
+                <a16:creationId xmlns:a16="http://schemas.microsoft.com/office/drawing/2014/main" id="{9324DD9F-B69A-E708-8047-E79642B91B93}"/>
+              </a:ext>
+            </a:extLst>
+          </p:cNvPr>
+          <p:cNvSpPr>
+            <a:spLocks noGrp="1" noRot="1" noChangeAspect="1"/>
+          </p:cNvSpPr>
+          <p:nvPr>
+            <p:ph type="sldImg"/>
+          </p:nvPr>
+        </p:nvSpPr>
+        <p:spPr/>
+      </p:sp>
+      <p:sp>
+        <p:nvSpPr>
+          <p:cNvPr id="3" name="Notes Placeholder 2">
+            <a:extLst>
+              <a:ext uri="{FF2B5EF4-FFF2-40B4-BE49-F238E27FC236}">
+                <a16:creationId xmlns:a16="http://schemas.microsoft.com/office/drawing/2014/main" id="{A302A83A-5B29-A75D-B288-D11C319BBAD2}"/>
+              </a:ext>
+            </a:extLst>
+          </p:cNvPr>
+          <p:cNvSpPr>
+            <a:spLocks noGrp="1"/>
+          </p:cNvSpPr>
+          <p:nvPr>
+            <p:ph type="body" idx="1"/>
+          </p:nvPr>
+        </p:nvSpPr>
+        <p:spPr/>
+        <p:txBody>
+          <a:bodyPr/>
+          <a:lstStyle/>
+          <a:p>
+            <a:endParaRPr lang="en-US" dirty="0"/>
+          </a:p>
+        </p:txBody>
+      </p:sp>
+      <p:sp>
+        <p:nvSpPr>
+          <p:cNvPr id="4" name="Slide Number Placeholder 3">
+            <a:extLst>
+              <a:ext uri="{FF2B5EF4-FFF2-40B4-BE49-F238E27FC236}">
+                <a16:creationId xmlns:a16="http://schemas.microsoft.com/office/drawing/2014/main" id="{2103ABBF-C70E-2AE6-489B-7EE8078B876F}"/>
+              </a:ext>
+            </a:extLst>
+          </p:cNvPr>
+          <p:cNvSpPr>
+            <a:spLocks noGrp="1"/>
+          </p:cNvSpPr>
+          <p:nvPr>
+            <p:ph type="sldNum" sz="quarter" idx="5"/>
+          </p:nvPr>
+        </p:nvSpPr>
+        <p:spPr/>
+        <p:txBody>
+          <a:bodyPr/>
+          <a:lstStyle/>
+          <a:p>
+            <a:fld id="{BF687E30-B67E-4869-B766-5FF8F15F5C5C}" type="slidenum">
+              <a:rPr lang="en-US" smtClean="0"/>
+              <a:t>11</a:t>
+            </a:fld>
+            <a:endParaRPr lang="en-US"/>
+          </a:p>
+        </p:txBody>
+      </p:sp>
+    </p:spTree>
+    <p:extLst>
+      <p:ext uri="{BB962C8B-B14F-4D97-AF65-F5344CB8AC3E}">
+        <p14:creationId xmlns:p14="http://schemas.microsoft.com/office/powerpoint/2010/main" val="1421686019"/>
+      </p:ext>
+    </p:extLst>
+  </p:cSld>
+  <p:clrMapOvr>
+    <a:masterClrMapping/>
+  </p:clrMapOvr>
+</p:notes>
+</file>
+
 <file path=ppt/slideLayouts/slideLayout1.xml><?xml version="1.0" encoding="utf-8"?>
 <p:sldLayout xmlns:a="http://schemas.openxmlformats.org/drawingml/2006/main" xmlns:r="http://schemas.openxmlformats.org/officeDocument/2006/relationships" xmlns:p="http://schemas.openxmlformats.org/presentationml/2006/main" type="title" preserve="1">
   <p:cSld name="Title Slide">
@@ -1454,7 +1787,7 @@
           <a:p>
             <a:fld id="{A6C2BBE1-2B82-4408-A116-91402AF6BBA7}" type="datetimeFigureOut">
               <a:rPr lang="en-US" smtClean="0"/>
-              <a:t>12/31/2024</a:t>
+              <a:t>1/2/2025</a:t>
             </a:fld>
             <a:endParaRPr lang="en-US"/>
           </a:p>
@@ -1652,7 +1985,7 @@
           <a:p>
             <a:fld id="{A6C2BBE1-2B82-4408-A116-91402AF6BBA7}" type="datetimeFigureOut">
               <a:rPr lang="en-US" smtClean="0"/>
-              <a:t>12/31/2024</a:t>
+              <a:t>1/2/2025</a:t>
             </a:fld>
             <a:endParaRPr lang="en-US"/>
           </a:p>
@@ -1860,7 +2193,7 @@
           <a:p>
             <a:fld id="{A6C2BBE1-2B82-4408-A116-91402AF6BBA7}" type="datetimeFigureOut">
               <a:rPr lang="en-US" smtClean="0"/>
-              <a:t>12/31/2024</a:t>
+              <a:t>1/2/2025</a:t>
             </a:fld>
             <a:endParaRPr lang="en-US"/>
           </a:p>
@@ -2058,7 +2391,7 @@
           <a:p>
             <a:fld id="{A6C2BBE1-2B82-4408-A116-91402AF6BBA7}" type="datetimeFigureOut">
               <a:rPr lang="en-US" smtClean="0"/>
-              <a:t>12/31/2024</a:t>
+              <a:t>1/2/2025</a:t>
             </a:fld>
             <a:endParaRPr lang="en-US"/>
           </a:p>
@@ -2333,7 +2666,7 @@
           <a:p>
             <a:fld id="{A6C2BBE1-2B82-4408-A116-91402AF6BBA7}" type="datetimeFigureOut">
               <a:rPr lang="en-US" smtClean="0"/>
-              <a:t>12/31/2024</a:t>
+              <a:t>1/2/2025</a:t>
             </a:fld>
             <a:endParaRPr lang="en-US"/>
           </a:p>
@@ -2598,7 +2931,7 @@
           <a:p>
             <a:fld id="{A6C2BBE1-2B82-4408-A116-91402AF6BBA7}" type="datetimeFigureOut">
               <a:rPr lang="en-US" smtClean="0"/>
-              <a:t>12/31/2024</a:t>
+              <a:t>1/2/2025</a:t>
             </a:fld>
             <a:endParaRPr lang="en-US"/>
           </a:p>
@@ -3010,7 +3343,7 @@
           <a:p>
             <a:fld id="{A6C2BBE1-2B82-4408-A116-91402AF6BBA7}" type="datetimeFigureOut">
               <a:rPr lang="en-US" smtClean="0"/>
-              <a:t>12/31/2024</a:t>
+              <a:t>1/2/2025</a:t>
             </a:fld>
             <a:endParaRPr lang="en-US"/>
           </a:p>
@@ -3151,7 +3484,7 @@
           <a:p>
             <a:fld id="{A6C2BBE1-2B82-4408-A116-91402AF6BBA7}" type="datetimeFigureOut">
               <a:rPr lang="en-US" smtClean="0"/>
-              <a:t>12/31/2024</a:t>
+              <a:t>1/2/2025</a:t>
             </a:fld>
             <a:endParaRPr lang="en-US"/>
           </a:p>
@@ -3264,7 +3597,7 @@
           <a:p>
             <a:fld id="{A6C2BBE1-2B82-4408-A116-91402AF6BBA7}" type="datetimeFigureOut">
               <a:rPr lang="en-US" smtClean="0"/>
-              <a:t>12/31/2024</a:t>
+              <a:t>1/2/2025</a:t>
             </a:fld>
             <a:endParaRPr lang="en-US"/>
           </a:p>
@@ -3575,7 +3908,7 @@
           <a:p>
             <a:fld id="{A6C2BBE1-2B82-4408-A116-91402AF6BBA7}" type="datetimeFigureOut">
               <a:rPr lang="en-US" smtClean="0"/>
-              <a:t>12/31/2024</a:t>
+              <a:t>1/2/2025</a:t>
             </a:fld>
             <a:endParaRPr lang="en-US"/>
           </a:p>
@@ -3863,7 +4196,7 @@
           <a:p>
             <a:fld id="{A6C2BBE1-2B82-4408-A116-91402AF6BBA7}" type="datetimeFigureOut">
               <a:rPr lang="en-US" smtClean="0"/>
-              <a:t>12/31/2024</a:t>
+              <a:t>1/2/2025</a:t>
             </a:fld>
             <a:endParaRPr lang="en-US"/>
           </a:p>
@@ -4104,7 +4437,7 @@
           <a:p>
             <a:fld id="{A6C2BBE1-2B82-4408-A116-91402AF6BBA7}" type="datetimeFigureOut">
               <a:rPr lang="en-US" smtClean="0"/>
-              <a:t>12/31/2024</a:t>
+              <a:t>1/2/2025</a:t>
             </a:fld>
             <a:endParaRPr lang="en-US"/>
           </a:p>
@@ -4588,6 +4921,3325 @@
     <p:extLst>
       <p:ext uri="{BB962C8B-B14F-4D97-AF65-F5344CB8AC3E}">
         <p14:creationId xmlns:p14="http://schemas.microsoft.com/office/powerpoint/2010/main" val="2286961890"/>
+      </p:ext>
+    </p:extLst>
+  </p:cSld>
+  <p:clrMapOvr>
+    <a:masterClrMapping/>
+  </p:clrMapOvr>
+</p:sld>
+</file>
+
+<file path=ppt/slides/slide10.xml><?xml version="1.0" encoding="utf-8"?>
+<p:sld xmlns:a="http://schemas.openxmlformats.org/drawingml/2006/main" xmlns:r="http://schemas.openxmlformats.org/officeDocument/2006/relationships" xmlns:p="http://schemas.openxmlformats.org/presentationml/2006/main">
+  <p:cSld>
+    <p:spTree>
+      <p:nvGrpSpPr>
+        <p:cNvPr id="1" name="">
+          <a:extLst>
+            <a:ext uri="{FF2B5EF4-FFF2-40B4-BE49-F238E27FC236}">
+              <a16:creationId xmlns:a16="http://schemas.microsoft.com/office/drawing/2014/main" id="{35964837-CAA0-EA8F-BE19-EDCB99872B3F}"/>
+            </a:ext>
+          </a:extLst>
+        </p:cNvPr>
+        <p:cNvGrpSpPr/>
+        <p:nvPr/>
+      </p:nvGrpSpPr>
+      <p:grpSpPr>
+        <a:xfrm>
+          <a:off x="0" y="0"/>
+          <a:ext cx="0" cy="0"/>
+          <a:chOff x="0" y="0"/>
+          <a:chExt cx="0" cy="0"/>
+        </a:xfrm>
+      </p:grpSpPr>
+      <p:sp>
+        <p:nvSpPr>
+          <p:cNvPr id="2" name="Title 1">
+            <a:extLst>
+              <a:ext uri="{FF2B5EF4-FFF2-40B4-BE49-F238E27FC236}">
+                <a16:creationId xmlns:a16="http://schemas.microsoft.com/office/drawing/2014/main" id="{12580764-C838-853E-3CB7-B5CE2402E8D3}"/>
+              </a:ext>
+            </a:extLst>
+          </p:cNvPr>
+          <p:cNvSpPr>
+            <a:spLocks noGrp="1"/>
+          </p:cNvSpPr>
+          <p:nvPr>
+            <p:ph type="ctrTitle"/>
+          </p:nvPr>
+        </p:nvSpPr>
+        <p:spPr/>
+        <p:txBody>
+          <a:bodyPr/>
+          <a:lstStyle/>
+          <a:p>
+            <a:r>
+              <a:rPr lang="en-US" dirty="0">
+                <a:latin typeface="Comic Sans MS" panose="030F0702030302020204" pitchFamily="66" charset="0"/>
+              </a:rPr>
+              <a:t>Ref qualifiers</a:t>
+            </a:r>
+          </a:p>
+        </p:txBody>
+      </p:sp>
+      <p:sp>
+        <p:nvSpPr>
+          <p:cNvPr id="3" name="Subtitle 2">
+            <a:extLst>
+              <a:ext uri="{FF2B5EF4-FFF2-40B4-BE49-F238E27FC236}">
+                <a16:creationId xmlns:a16="http://schemas.microsoft.com/office/drawing/2014/main" id="{8FA40850-30A6-00AA-C086-9C130C036786}"/>
+              </a:ext>
+            </a:extLst>
+          </p:cNvPr>
+          <p:cNvSpPr>
+            <a:spLocks noGrp="1"/>
+          </p:cNvSpPr>
+          <p:nvPr>
+            <p:ph type="subTitle" idx="1"/>
+          </p:nvPr>
+        </p:nvSpPr>
+        <p:spPr/>
+        <p:txBody>
+          <a:bodyPr/>
+          <a:lstStyle/>
+          <a:p>
+            <a:r>
+              <a:rPr lang="en-US" dirty="0" err="1">
+                <a:latin typeface="Comic Sans MS" panose="030F0702030302020204" pitchFamily="66" charset="0"/>
+              </a:rPr>
+              <a:t>vietanh.dam</a:t>
+            </a:r>
+            <a:endParaRPr lang="en-US" dirty="0">
+              <a:latin typeface="Comic Sans MS" panose="030F0702030302020204" pitchFamily="66" charset="0"/>
+            </a:endParaRPr>
+          </a:p>
+        </p:txBody>
+      </p:sp>
+    </p:spTree>
+    <p:extLst>
+      <p:ext uri="{BB962C8B-B14F-4D97-AF65-F5344CB8AC3E}">
+        <p14:creationId xmlns:p14="http://schemas.microsoft.com/office/powerpoint/2010/main" val="3051337283"/>
+      </p:ext>
+    </p:extLst>
+  </p:cSld>
+  <p:clrMapOvr>
+    <a:masterClrMapping/>
+  </p:clrMapOvr>
+</p:sld>
+</file>
+
+<file path=ppt/slides/slide11.xml><?xml version="1.0" encoding="utf-8"?>
+<p:sld xmlns:a="http://schemas.openxmlformats.org/drawingml/2006/main" xmlns:r="http://schemas.openxmlformats.org/officeDocument/2006/relationships" xmlns:p="http://schemas.openxmlformats.org/presentationml/2006/main">
+  <p:cSld>
+    <p:spTree>
+      <p:nvGrpSpPr>
+        <p:cNvPr id="1" name="">
+          <a:extLst>
+            <a:ext uri="{FF2B5EF4-FFF2-40B4-BE49-F238E27FC236}">
+              <a16:creationId xmlns:a16="http://schemas.microsoft.com/office/drawing/2014/main" id="{CFF7178E-570B-1EAC-4264-705061092495}"/>
+            </a:ext>
+          </a:extLst>
+        </p:cNvPr>
+        <p:cNvGrpSpPr/>
+        <p:nvPr/>
+      </p:nvGrpSpPr>
+      <p:grpSpPr>
+        <a:xfrm>
+          <a:off x="0" y="0"/>
+          <a:ext cx="0" cy="0"/>
+          <a:chOff x="0" y="0"/>
+          <a:chExt cx="0" cy="0"/>
+        </a:xfrm>
+      </p:grpSpPr>
+      <p:sp>
+        <p:nvSpPr>
+          <p:cNvPr id="2" name="Title 1">
+            <a:extLst>
+              <a:ext uri="{FF2B5EF4-FFF2-40B4-BE49-F238E27FC236}">
+                <a16:creationId xmlns:a16="http://schemas.microsoft.com/office/drawing/2014/main" id="{C61A5939-5051-E34C-92F0-0902DEFC361A}"/>
+              </a:ext>
+            </a:extLst>
+          </p:cNvPr>
+          <p:cNvSpPr>
+            <a:spLocks noGrp="1"/>
+          </p:cNvSpPr>
+          <p:nvPr>
+            <p:ph type="title"/>
+          </p:nvPr>
+        </p:nvSpPr>
+        <p:spPr/>
+        <p:txBody>
+          <a:bodyPr/>
+          <a:lstStyle/>
+          <a:p>
+            <a:r>
+              <a:rPr lang="en-US" dirty="0">
+                <a:latin typeface="Comic Sans MS" panose="030F0702030302020204" pitchFamily="66" charset="0"/>
+              </a:rPr>
+              <a:t>Ref qualifiers</a:t>
+            </a:r>
+          </a:p>
+        </p:txBody>
+      </p:sp>
+      <p:sp>
+        <p:nvSpPr>
+          <p:cNvPr id="3" name="Content Placeholder 2">
+            <a:extLst>
+              <a:ext uri="{FF2B5EF4-FFF2-40B4-BE49-F238E27FC236}">
+                <a16:creationId xmlns:a16="http://schemas.microsoft.com/office/drawing/2014/main" id="{FC28020F-E879-2DAD-8A0E-19CCEBCDBDE1}"/>
+              </a:ext>
+            </a:extLst>
+          </p:cNvPr>
+          <p:cNvSpPr>
+            <a:spLocks noGrp="1"/>
+          </p:cNvSpPr>
+          <p:nvPr>
+            <p:ph idx="1"/>
+          </p:nvPr>
+        </p:nvSpPr>
+        <p:spPr>
+          <a:xfrm>
+            <a:off x="507460" y="3776308"/>
+            <a:ext cx="2206557" cy="498036"/>
+          </a:xfrm>
+        </p:spPr>
+        <p:txBody>
+          <a:bodyPr>
+            <a:noAutofit/>
+          </a:bodyPr>
+          <a:lstStyle/>
+          <a:p>
+            <a:pPr marL="0" indent="0">
+              <a:buNone/>
+            </a:pPr>
+            <a:r>
+              <a:rPr lang="en-US" sz="1800" dirty="0">
+                <a:latin typeface="Comic Sans MS" panose="030F0702030302020204" pitchFamily="66" charset="0"/>
+              </a:rPr>
+              <a:t>Consider this code</a:t>
+            </a:r>
+            <a:endParaRPr lang="en-US" sz="1600" dirty="0">
+              <a:latin typeface="Comic Sans MS" panose="030F0702030302020204" pitchFamily="66" charset="0"/>
+            </a:endParaRPr>
+          </a:p>
+        </p:txBody>
+      </p:sp>
+      <p:sp>
+        <p:nvSpPr>
+          <p:cNvPr id="8" name="TextBox 7">
+            <a:extLst>
+              <a:ext uri="{FF2B5EF4-FFF2-40B4-BE49-F238E27FC236}">
+                <a16:creationId xmlns:a16="http://schemas.microsoft.com/office/drawing/2014/main" id="{7E35C3F3-F563-D2A3-2A97-ED92AE385976}"/>
+              </a:ext>
+            </a:extLst>
+          </p:cNvPr>
+          <p:cNvSpPr txBox="1"/>
+          <p:nvPr/>
+        </p:nvSpPr>
+        <p:spPr>
+          <a:xfrm>
+            <a:off x="3019626" y="1393836"/>
+            <a:ext cx="8664914" cy="5262979"/>
+          </a:xfrm>
+          <a:prstGeom prst="rect">
+            <a:avLst/>
+          </a:prstGeom>
+          <a:noFill/>
+          <a:ln>
+            <a:solidFill>
+              <a:srgbClr val="002060"/>
+            </a:solidFill>
+          </a:ln>
+        </p:spPr>
+        <p:txBody>
+          <a:bodyPr wrap="square">
+            <a:spAutoFit/>
+          </a:bodyPr>
+          <a:lstStyle/>
+          <a:p>
+            <a:r>
+              <a:rPr lang="en-US" sz="1400" b="0" dirty="0">
+                <a:solidFill>
+                  <a:srgbClr val="0000FF"/>
+                </a:solidFill>
+                <a:effectLst/>
+                <a:latin typeface="Consolas" panose="020B0609020204030204" pitchFamily="49" charset="0"/>
+              </a:rPr>
+              <a:t>struct</a:t>
+            </a:r>
+            <a:r>
+              <a:rPr lang="en-US" sz="1400" b="0" dirty="0">
+                <a:solidFill>
+                  <a:srgbClr val="000000"/>
+                </a:solidFill>
+                <a:effectLst/>
+                <a:latin typeface="Consolas" panose="020B0609020204030204" pitchFamily="49" charset="0"/>
+              </a:rPr>
+              <a:t> Pixel {</a:t>
+            </a:r>
+          </a:p>
+          <a:p>
+            <a:r>
+              <a:rPr lang="en-US" sz="1400" b="0" dirty="0">
+                <a:solidFill>
+                  <a:srgbClr val="000000"/>
+                </a:solidFill>
+                <a:effectLst/>
+                <a:latin typeface="Consolas" panose="020B0609020204030204" pitchFamily="49" charset="0"/>
+              </a:rPr>
+              <a:t>    </a:t>
+            </a:r>
+            <a:r>
+              <a:rPr lang="en-US" sz="1400" b="0" dirty="0">
+                <a:solidFill>
+                  <a:srgbClr val="0000FF"/>
+                </a:solidFill>
+                <a:effectLst/>
+                <a:latin typeface="Consolas" panose="020B0609020204030204" pitchFamily="49" charset="0"/>
+              </a:rPr>
+              <a:t>int</a:t>
+            </a:r>
+            <a:r>
+              <a:rPr lang="en-US" sz="1400" b="0" dirty="0">
+                <a:solidFill>
+                  <a:srgbClr val="000000"/>
+                </a:solidFill>
+                <a:effectLst/>
+                <a:latin typeface="Consolas" panose="020B0609020204030204" pitchFamily="49" charset="0"/>
+              </a:rPr>
+              <a:t> r {};</a:t>
+            </a:r>
+          </a:p>
+          <a:p>
+            <a:r>
+              <a:rPr lang="en-US" sz="1400" b="0" dirty="0">
+                <a:solidFill>
+                  <a:srgbClr val="000000"/>
+                </a:solidFill>
+                <a:effectLst/>
+                <a:latin typeface="Consolas" panose="020B0609020204030204" pitchFamily="49" charset="0"/>
+              </a:rPr>
+              <a:t>    </a:t>
+            </a:r>
+            <a:r>
+              <a:rPr lang="en-US" sz="1400" b="0" dirty="0">
+                <a:solidFill>
+                  <a:srgbClr val="0000FF"/>
+                </a:solidFill>
+                <a:effectLst/>
+                <a:latin typeface="Consolas" panose="020B0609020204030204" pitchFamily="49" charset="0"/>
+              </a:rPr>
+              <a:t>int</a:t>
+            </a:r>
+            <a:r>
+              <a:rPr lang="en-US" sz="1400" b="0" dirty="0">
+                <a:solidFill>
+                  <a:srgbClr val="000000"/>
+                </a:solidFill>
+                <a:effectLst/>
+                <a:latin typeface="Consolas" panose="020B0609020204030204" pitchFamily="49" charset="0"/>
+              </a:rPr>
+              <a:t> g {};</a:t>
+            </a:r>
+          </a:p>
+          <a:p>
+            <a:r>
+              <a:rPr lang="en-US" sz="1400" b="0" dirty="0">
+                <a:solidFill>
+                  <a:srgbClr val="000000"/>
+                </a:solidFill>
+                <a:effectLst/>
+                <a:latin typeface="Consolas" panose="020B0609020204030204" pitchFamily="49" charset="0"/>
+              </a:rPr>
+              <a:t>    </a:t>
+            </a:r>
+            <a:r>
+              <a:rPr lang="en-US" sz="1400" b="0" dirty="0">
+                <a:solidFill>
+                  <a:srgbClr val="0000FF"/>
+                </a:solidFill>
+                <a:effectLst/>
+                <a:latin typeface="Consolas" panose="020B0609020204030204" pitchFamily="49" charset="0"/>
+              </a:rPr>
+              <a:t>int</a:t>
+            </a:r>
+            <a:r>
+              <a:rPr lang="en-US" sz="1400" b="0" dirty="0">
+                <a:solidFill>
+                  <a:srgbClr val="000000"/>
+                </a:solidFill>
+                <a:effectLst/>
+                <a:latin typeface="Consolas" panose="020B0609020204030204" pitchFamily="49" charset="0"/>
+              </a:rPr>
+              <a:t> b {};</a:t>
+            </a:r>
+          </a:p>
+          <a:p>
+            <a:r>
+              <a:rPr lang="en-US" sz="1400" b="0" dirty="0">
+                <a:solidFill>
+                  <a:srgbClr val="000000"/>
+                </a:solidFill>
+                <a:effectLst/>
+                <a:latin typeface="Consolas" panose="020B0609020204030204" pitchFamily="49" charset="0"/>
+              </a:rPr>
+              <a:t>};</a:t>
+            </a:r>
+          </a:p>
+          <a:p>
+            <a:br>
+              <a:rPr lang="en-US" sz="1400" b="0" dirty="0">
+                <a:solidFill>
+                  <a:srgbClr val="000000"/>
+                </a:solidFill>
+                <a:effectLst/>
+                <a:latin typeface="Consolas" panose="020B0609020204030204" pitchFamily="49" charset="0"/>
+              </a:rPr>
+            </a:br>
+            <a:r>
+              <a:rPr lang="en-US" sz="1400" b="0" dirty="0">
+                <a:solidFill>
+                  <a:srgbClr val="0000FF"/>
+                </a:solidFill>
+                <a:effectLst/>
+                <a:latin typeface="Consolas" panose="020B0609020204030204" pitchFamily="49" charset="0"/>
+              </a:rPr>
+              <a:t>struct</a:t>
+            </a:r>
+            <a:r>
+              <a:rPr lang="en-US" sz="1400" b="0" dirty="0">
+                <a:solidFill>
+                  <a:srgbClr val="000000"/>
+                </a:solidFill>
+                <a:effectLst/>
+                <a:latin typeface="Consolas" panose="020B0609020204030204" pitchFamily="49" charset="0"/>
+              </a:rPr>
+              <a:t> Metadata {</a:t>
+            </a:r>
+          </a:p>
+          <a:p>
+            <a:r>
+              <a:rPr lang="en-US" sz="1400" b="0" dirty="0">
+                <a:solidFill>
+                  <a:srgbClr val="000000"/>
+                </a:solidFill>
+                <a:effectLst/>
+                <a:latin typeface="Consolas" panose="020B0609020204030204" pitchFamily="49" charset="0"/>
+              </a:rPr>
+              <a:t>    </a:t>
+            </a:r>
+            <a:r>
+              <a:rPr lang="en-US" sz="1400" b="0" dirty="0">
+                <a:solidFill>
+                  <a:srgbClr val="0000FF"/>
+                </a:solidFill>
+                <a:effectLst/>
+                <a:latin typeface="Consolas" panose="020B0609020204030204" pitchFamily="49" charset="0"/>
+              </a:rPr>
+              <a:t>int</a:t>
+            </a:r>
+            <a:r>
+              <a:rPr lang="en-US" sz="1400" b="0" dirty="0">
+                <a:solidFill>
+                  <a:srgbClr val="000000"/>
+                </a:solidFill>
+                <a:effectLst/>
+                <a:latin typeface="Consolas" panose="020B0609020204030204" pitchFamily="49" charset="0"/>
+              </a:rPr>
+              <a:t> width {};</a:t>
+            </a:r>
+          </a:p>
+          <a:p>
+            <a:r>
+              <a:rPr lang="en-US" sz="1400" b="0" dirty="0">
+                <a:solidFill>
+                  <a:srgbClr val="000000"/>
+                </a:solidFill>
+                <a:effectLst/>
+                <a:latin typeface="Consolas" panose="020B0609020204030204" pitchFamily="49" charset="0"/>
+              </a:rPr>
+              <a:t>    </a:t>
+            </a:r>
+            <a:r>
+              <a:rPr lang="en-US" sz="1400" b="0" dirty="0">
+                <a:solidFill>
+                  <a:srgbClr val="0000FF"/>
+                </a:solidFill>
+                <a:effectLst/>
+                <a:latin typeface="Consolas" panose="020B0609020204030204" pitchFamily="49" charset="0"/>
+              </a:rPr>
+              <a:t>int</a:t>
+            </a:r>
+            <a:r>
+              <a:rPr lang="en-US" sz="1400" b="0" dirty="0">
+                <a:solidFill>
+                  <a:srgbClr val="000000"/>
+                </a:solidFill>
+                <a:effectLst/>
+                <a:latin typeface="Consolas" panose="020B0609020204030204" pitchFamily="49" charset="0"/>
+              </a:rPr>
+              <a:t> height {};</a:t>
+            </a:r>
+          </a:p>
+          <a:p>
+            <a:r>
+              <a:rPr lang="en-US" sz="1400" b="0" dirty="0">
+                <a:solidFill>
+                  <a:srgbClr val="000000"/>
+                </a:solidFill>
+                <a:effectLst/>
+                <a:latin typeface="Consolas" panose="020B0609020204030204" pitchFamily="49" charset="0"/>
+              </a:rPr>
+              <a:t>}; </a:t>
+            </a:r>
+          </a:p>
+          <a:p>
+            <a:br>
+              <a:rPr lang="en-US" sz="1400" b="0" dirty="0">
+                <a:solidFill>
+                  <a:srgbClr val="000000"/>
+                </a:solidFill>
+                <a:effectLst/>
+                <a:latin typeface="Consolas" panose="020B0609020204030204" pitchFamily="49" charset="0"/>
+              </a:rPr>
+            </a:br>
+            <a:r>
+              <a:rPr lang="en-US" sz="1400" b="0" dirty="0">
+                <a:solidFill>
+                  <a:srgbClr val="0000FF"/>
+                </a:solidFill>
+                <a:effectLst/>
+                <a:latin typeface="Consolas" panose="020B0609020204030204" pitchFamily="49" charset="0"/>
+              </a:rPr>
+              <a:t>class</a:t>
+            </a:r>
+            <a:r>
+              <a:rPr lang="en-US" sz="1400" b="0" dirty="0">
+                <a:solidFill>
+                  <a:srgbClr val="000000"/>
+                </a:solidFill>
+                <a:effectLst/>
+                <a:latin typeface="Consolas" panose="020B0609020204030204" pitchFamily="49" charset="0"/>
+              </a:rPr>
+              <a:t> </a:t>
+            </a:r>
+            <a:r>
+              <a:rPr lang="en-US" sz="1400" b="0" dirty="0" err="1">
+                <a:solidFill>
+                  <a:srgbClr val="000000"/>
+                </a:solidFill>
+                <a:effectLst/>
+                <a:latin typeface="Consolas" panose="020B0609020204030204" pitchFamily="49" charset="0"/>
+              </a:rPr>
+              <a:t>RawImage</a:t>
+            </a:r>
+            <a:r>
+              <a:rPr lang="en-US" sz="1400" b="0" dirty="0">
+                <a:solidFill>
+                  <a:srgbClr val="000000"/>
+                </a:solidFill>
+                <a:effectLst/>
+                <a:latin typeface="Consolas" panose="020B0609020204030204" pitchFamily="49" charset="0"/>
+              </a:rPr>
+              <a:t> {</a:t>
+            </a:r>
+          </a:p>
+          <a:p>
+            <a:r>
+              <a:rPr lang="en-US" sz="1400" b="0" dirty="0">
+                <a:solidFill>
+                  <a:srgbClr val="0000FF"/>
+                </a:solidFill>
+                <a:effectLst/>
+                <a:latin typeface="Consolas" panose="020B0609020204030204" pitchFamily="49" charset="0"/>
+              </a:rPr>
+              <a:t>private:</a:t>
+            </a:r>
+            <a:endParaRPr lang="en-US" sz="1400" b="0" dirty="0">
+              <a:solidFill>
+                <a:srgbClr val="000000"/>
+              </a:solidFill>
+              <a:effectLst/>
+              <a:latin typeface="Consolas" panose="020B0609020204030204" pitchFamily="49" charset="0"/>
+            </a:endParaRPr>
+          </a:p>
+          <a:p>
+            <a:r>
+              <a:rPr lang="en-US" sz="1400" b="0" dirty="0">
+                <a:solidFill>
+                  <a:srgbClr val="000000"/>
+                </a:solidFill>
+                <a:effectLst/>
+                <a:latin typeface="Consolas" panose="020B0609020204030204" pitchFamily="49" charset="0"/>
+              </a:rPr>
+              <a:t>    std::vector&lt;Pixel&gt; </a:t>
+            </a:r>
+            <a:r>
+              <a:rPr lang="en-US" sz="1400" b="0" dirty="0" err="1">
+                <a:solidFill>
+                  <a:srgbClr val="000000"/>
+                </a:solidFill>
+                <a:effectLst/>
+                <a:latin typeface="Consolas" panose="020B0609020204030204" pitchFamily="49" charset="0"/>
+              </a:rPr>
+              <a:t>m_buffer</a:t>
+            </a:r>
+            <a:r>
+              <a:rPr lang="en-US" sz="1400" b="0" dirty="0">
+                <a:solidFill>
+                  <a:srgbClr val="000000"/>
+                </a:solidFill>
+                <a:effectLst/>
+                <a:latin typeface="Consolas" panose="020B0609020204030204" pitchFamily="49" charset="0"/>
+              </a:rPr>
+              <a:t>;</a:t>
+            </a:r>
+          </a:p>
+          <a:p>
+            <a:r>
+              <a:rPr lang="en-US" sz="1400" b="0" dirty="0">
+                <a:solidFill>
+                  <a:srgbClr val="000000"/>
+                </a:solidFill>
+                <a:effectLst/>
+                <a:latin typeface="Consolas" panose="020B0609020204030204" pitchFamily="49" charset="0"/>
+              </a:rPr>
+              <a:t>    Metadata           </a:t>
+            </a:r>
+            <a:r>
+              <a:rPr lang="en-US" sz="1400" b="0" dirty="0" err="1">
+                <a:solidFill>
+                  <a:srgbClr val="000000"/>
+                </a:solidFill>
+                <a:effectLst/>
+                <a:latin typeface="Consolas" panose="020B0609020204030204" pitchFamily="49" charset="0"/>
+              </a:rPr>
+              <a:t>m_metadata</a:t>
+            </a:r>
+            <a:r>
+              <a:rPr lang="en-US" sz="1400" b="0" dirty="0">
+                <a:solidFill>
+                  <a:srgbClr val="000000"/>
+                </a:solidFill>
+                <a:effectLst/>
+                <a:latin typeface="Consolas" panose="020B0609020204030204" pitchFamily="49" charset="0"/>
+              </a:rPr>
+              <a:t>;</a:t>
+            </a:r>
+          </a:p>
+          <a:p>
+            <a:r>
+              <a:rPr lang="en-US" sz="1400" b="0" dirty="0">
+                <a:solidFill>
+                  <a:srgbClr val="0000FF"/>
+                </a:solidFill>
+                <a:effectLst/>
+                <a:latin typeface="Consolas" panose="020B0609020204030204" pitchFamily="49" charset="0"/>
+              </a:rPr>
+              <a:t>public:</a:t>
+            </a:r>
+            <a:endParaRPr lang="en-US" sz="1400" b="0" dirty="0">
+              <a:solidFill>
+                <a:srgbClr val="000000"/>
+              </a:solidFill>
+              <a:effectLst/>
+              <a:latin typeface="Consolas" panose="020B0609020204030204" pitchFamily="49" charset="0"/>
+            </a:endParaRPr>
+          </a:p>
+          <a:p>
+            <a:r>
+              <a:rPr lang="en-US" sz="1400" b="0" dirty="0">
+                <a:solidFill>
+                  <a:srgbClr val="000000"/>
+                </a:solidFill>
+                <a:effectLst/>
+                <a:latin typeface="Consolas" panose="020B0609020204030204" pitchFamily="49" charset="0"/>
+              </a:rPr>
+              <a:t>    </a:t>
+            </a:r>
+            <a:r>
+              <a:rPr lang="en-US" sz="1400" b="0" dirty="0" err="1">
+                <a:solidFill>
+                  <a:srgbClr val="000000"/>
+                </a:solidFill>
+                <a:effectLst/>
+                <a:latin typeface="Consolas" panose="020B0609020204030204" pitchFamily="49" charset="0"/>
+              </a:rPr>
+              <a:t>RawImage</a:t>
+            </a:r>
+            <a:r>
+              <a:rPr lang="en-US" sz="1400" b="0" dirty="0">
+                <a:solidFill>
+                  <a:srgbClr val="000000"/>
+                </a:solidFill>
+                <a:effectLst/>
+                <a:latin typeface="Consolas" panose="020B0609020204030204" pitchFamily="49" charset="0"/>
+              </a:rPr>
+              <a:t>(</a:t>
+            </a:r>
+            <a:r>
+              <a:rPr lang="en-US" sz="1400" b="0" dirty="0">
+                <a:solidFill>
+                  <a:srgbClr val="0000FF"/>
+                </a:solidFill>
+                <a:effectLst/>
+                <a:latin typeface="Consolas" panose="020B0609020204030204" pitchFamily="49" charset="0"/>
+              </a:rPr>
+              <a:t>const</a:t>
+            </a:r>
+            <a:r>
+              <a:rPr lang="en-US" sz="1400" b="0" dirty="0">
+                <a:solidFill>
+                  <a:srgbClr val="000000"/>
+                </a:solidFill>
+                <a:effectLst/>
+                <a:latin typeface="Consolas" panose="020B0609020204030204" pitchFamily="49" charset="0"/>
+              </a:rPr>
+              <a:t> std::vector&lt;Pixel&gt;</a:t>
+            </a:r>
+            <a:r>
+              <a:rPr lang="en-US" sz="1400" b="0" dirty="0">
+                <a:solidFill>
+                  <a:srgbClr val="0000FF"/>
+                </a:solidFill>
+                <a:effectLst/>
+                <a:latin typeface="Consolas" panose="020B0609020204030204" pitchFamily="49" charset="0"/>
+              </a:rPr>
+              <a:t>&amp;</a:t>
+            </a:r>
+            <a:r>
+              <a:rPr lang="en-US" sz="1400" b="0" dirty="0">
+                <a:solidFill>
+                  <a:srgbClr val="000000"/>
+                </a:solidFill>
+                <a:effectLst/>
+                <a:latin typeface="Consolas" panose="020B0609020204030204" pitchFamily="49" charset="0"/>
+              </a:rPr>
+              <a:t> </a:t>
+            </a:r>
+            <a:r>
+              <a:rPr lang="en-US" sz="1400" b="0" dirty="0" err="1">
+                <a:solidFill>
+                  <a:srgbClr val="000000"/>
+                </a:solidFill>
+                <a:effectLst/>
+                <a:latin typeface="Consolas" panose="020B0609020204030204" pitchFamily="49" charset="0"/>
+              </a:rPr>
+              <a:t>src</a:t>
+            </a:r>
+            <a:r>
+              <a:rPr lang="en-US" sz="1400" b="0" dirty="0">
+                <a:solidFill>
+                  <a:srgbClr val="000000"/>
+                </a:solidFill>
+                <a:effectLst/>
+                <a:latin typeface="Consolas" panose="020B0609020204030204" pitchFamily="49" charset="0"/>
+              </a:rPr>
+              <a:t>) : </a:t>
+            </a:r>
+            <a:r>
+              <a:rPr lang="en-US" sz="1400" b="0" dirty="0" err="1">
+                <a:solidFill>
+                  <a:srgbClr val="000000"/>
+                </a:solidFill>
+                <a:effectLst/>
+                <a:latin typeface="Consolas" panose="020B0609020204030204" pitchFamily="49" charset="0"/>
+              </a:rPr>
+              <a:t>m_buffer</a:t>
+            </a:r>
+            <a:r>
+              <a:rPr lang="en-US" sz="1400" b="0" dirty="0">
+                <a:solidFill>
+                  <a:srgbClr val="000000"/>
+                </a:solidFill>
+                <a:effectLst/>
+                <a:latin typeface="Consolas" panose="020B0609020204030204" pitchFamily="49" charset="0"/>
+              </a:rPr>
+              <a:t>(std::move(</a:t>
+            </a:r>
+            <a:r>
+              <a:rPr lang="en-US" sz="1400" b="0" dirty="0" err="1">
+                <a:solidFill>
+                  <a:srgbClr val="000000"/>
+                </a:solidFill>
+                <a:effectLst/>
+                <a:latin typeface="Consolas" panose="020B0609020204030204" pitchFamily="49" charset="0"/>
+              </a:rPr>
+              <a:t>src</a:t>
+            </a:r>
+            <a:r>
+              <a:rPr lang="en-US" sz="1400" b="0" dirty="0">
+                <a:solidFill>
+                  <a:srgbClr val="000000"/>
+                </a:solidFill>
+                <a:effectLst/>
+                <a:latin typeface="Consolas" panose="020B0609020204030204" pitchFamily="49" charset="0"/>
+              </a:rPr>
+              <a:t>)) {}</a:t>
+            </a:r>
+          </a:p>
+          <a:p>
+            <a:r>
+              <a:rPr lang="en-US" sz="1400" b="0" dirty="0">
+                <a:solidFill>
+                  <a:srgbClr val="000000"/>
+                </a:solidFill>
+                <a:effectLst/>
+                <a:latin typeface="Consolas" panose="020B0609020204030204" pitchFamily="49" charset="0"/>
+              </a:rPr>
+              <a:t>    </a:t>
+            </a:r>
+            <a:r>
+              <a:rPr lang="en-US" sz="1400" b="0" dirty="0">
+                <a:solidFill>
+                  <a:srgbClr val="0000FF"/>
+                </a:solidFill>
+                <a:effectLst/>
+                <a:latin typeface="Consolas" panose="020B0609020204030204" pitchFamily="49" charset="0"/>
+              </a:rPr>
+              <a:t>const</a:t>
+            </a:r>
+            <a:r>
+              <a:rPr lang="en-US" sz="1400" b="0" dirty="0">
+                <a:solidFill>
+                  <a:srgbClr val="000000"/>
+                </a:solidFill>
+                <a:effectLst/>
+                <a:latin typeface="Consolas" panose="020B0609020204030204" pitchFamily="49" charset="0"/>
+              </a:rPr>
+              <a:t> std::vector&lt;Pixel&gt;</a:t>
+            </a:r>
+            <a:r>
+              <a:rPr lang="en-US" sz="1400" b="0" dirty="0">
+                <a:solidFill>
+                  <a:srgbClr val="0000FF"/>
+                </a:solidFill>
+                <a:effectLst/>
+                <a:latin typeface="Consolas" panose="020B0609020204030204" pitchFamily="49" charset="0"/>
+              </a:rPr>
+              <a:t>&amp;</a:t>
+            </a:r>
+            <a:r>
+              <a:rPr lang="en-US" sz="1400" b="0" dirty="0">
+                <a:solidFill>
+                  <a:srgbClr val="000000"/>
+                </a:solidFill>
+                <a:effectLst/>
+                <a:latin typeface="Consolas" panose="020B0609020204030204" pitchFamily="49" charset="0"/>
+              </a:rPr>
+              <a:t> data() </a:t>
+            </a:r>
+            <a:r>
+              <a:rPr lang="en-US" sz="1400" b="0" dirty="0">
+                <a:solidFill>
+                  <a:srgbClr val="0000FF"/>
+                </a:solidFill>
+                <a:effectLst/>
+                <a:latin typeface="Consolas" panose="020B0609020204030204" pitchFamily="49" charset="0"/>
+              </a:rPr>
+              <a:t>const</a:t>
+            </a:r>
+            <a:r>
+              <a:rPr lang="en-US" sz="1400" b="0" dirty="0">
+                <a:solidFill>
+                  <a:srgbClr val="000000"/>
+                </a:solidFill>
+                <a:effectLst/>
+                <a:latin typeface="Consolas" panose="020B0609020204030204" pitchFamily="49" charset="0"/>
+              </a:rPr>
+              <a:t>   { </a:t>
+            </a:r>
+            <a:r>
+              <a:rPr lang="en-US" sz="1400" b="0" dirty="0">
+                <a:solidFill>
+                  <a:srgbClr val="0000FF"/>
+                </a:solidFill>
+                <a:effectLst/>
+                <a:latin typeface="Consolas" panose="020B0609020204030204" pitchFamily="49" charset="0"/>
+              </a:rPr>
+              <a:t>return</a:t>
+            </a:r>
+            <a:r>
+              <a:rPr lang="en-US" sz="1400" b="0" dirty="0">
+                <a:solidFill>
+                  <a:srgbClr val="000000"/>
+                </a:solidFill>
+                <a:effectLst/>
+                <a:latin typeface="Consolas" panose="020B0609020204030204" pitchFamily="49" charset="0"/>
+              </a:rPr>
+              <a:t> </a:t>
+            </a:r>
+            <a:r>
+              <a:rPr lang="en-US" sz="1400" b="0" dirty="0" err="1">
+                <a:solidFill>
+                  <a:srgbClr val="000000"/>
+                </a:solidFill>
+                <a:effectLst/>
+                <a:latin typeface="Consolas" panose="020B0609020204030204" pitchFamily="49" charset="0"/>
+              </a:rPr>
+              <a:t>m_buffer</a:t>
+            </a:r>
+            <a:r>
+              <a:rPr lang="en-US" sz="1400" b="0" dirty="0">
+                <a:solidFill>
+                  <a:srgbClr val="000000"/>
+                </a:solidFill>
+                <a:effectLst/>
+                <a:latin typeface="Consolas" panose="020B0609020204030204" pitchFamily="49" charset="0"/>
+              </a:rPr>
+              <a:t>; }</a:t>
+            </a:r>
+          </a:p>
+          <a:p>
+            <a:r>
+              <a:rPr lang="en-US" sz="1400" b="0" dirty="0">
+                <a:solidFill>
+                  <a:srgbClr val="000000"/>
+                </a:solidFill>
+                <a:effectLst/>
+                <a:latin typeface="Consolas" panose="020B0609020204030204" pitchFamily="49" charset="0"/>
+              </a:rPr>
+              <a:t>};</a:t>
+            </a:r>
+          </a:p>
+          <a:p>
+            <a:br>
+              <a:rPr lang="en-US" sz="1400" b="0" dirty="0">
+                <a:solidFill>
+                  <a:srgbClr val="000000"/>
+                </a:solidFill>
+                <a:effectLst/>
+                <a:latin typeface="Consolas" panose="020B0609020204030204" pitchFamily="49" charset="0"/>
+              </a:rPr>
+            </a:br>
+            <a:r>
+              <a:rPr lang="en-US" sz="1400" b="0" dirty="0" err="1">
+                <a:solidFill>
+                  <a:srgbClr val="000000"/>
+                </a:solidFill>
+                <a:effectLst/>
+                <a:latin typeface="Consolas" panose="020B0609020204030204" pitchFamily="49" charset="0"/>
+              </a:rPr>
+              <a:t>RawImage</a:t>
+            </a:r>
+            <a:r>
+              <a:rPr lang="en-US" sz="1400" b="0" dirty="0">
+                <a:solidFill>
+                  <a:srgbClr val="000000"/>
+                </a:solidFill>
+                <a:effectLst/>
+                <a:latin typeface="Consolas" panose="020B0609020204030204" pitchFamily="49" charset="0"/>
+              </a:rPr>
+              <a:t> </a:t>
+            </a:r>
+            <a:r>
+              <a:rPr lang="en-US" sz="1400" b="0" dirty="0" err="1">
+                <a:solidFill>
+                  <a:srgbClr val="000000"/>
+                </a:solidFill>
+                <a:effectLst/>
+                <a:latin typeface="Consolas" panose="020B0609020204030204" pitchFamily="49" charset="0"/>
+              </a:rPr>
+              <a:t>createRandomImage</a:t>
+            </a:r>
+            <a:r>
+              <a:rPr lang="en-US" sz="1400" b="0" dirty="0">
+                <a:solidFill>
+                  <a:srgbClr val="000000"/>
+                </a:solidFill>
+                <a:effectLst/>
+                <a:latin typeface="Consolas" panose="020B0609020204030204" pitchFamily="49" charset="0"/>
+              </a:rPr>
+              <a:t>(</a:t>
+            </a:r>
+            <a:r>
+              <a:rPr lang="en-US" sz="1400" b="0" dirty="0">
+                <a:solidFill>
+                  <a:srgbClr val="0000FF"/>
+                </a:solidFill>
+                <a:effectLst/>
+                <a:latin typeface="Consolas" panose="020B0609020204030204" pitchFamily="49" charset="0"/>
+              </a:rPr>
+              <a:t>int</a:t>
+            </a:r>
+            <a:r>
+              <a:rPr lang="en-US" sz="1400" b="0" dirty="0">
+                <a:solidFill>
+                  <a:srgbClr val="000000"/>
+                </a:solidFill>
+                <a:effectLst/>
+                <a:latin typeface="Consolas" panose="020B0609020204030204" pitchFamily="49" charset="0"/>
+              </a:rPr>
+              <a:t> limit) {</a:t>
+            </a:r>
+          </a:p>
+          <a:p>
+            <a:r>
+              <a:rPr lang="en-US" sz="1400" b="0" dirty="0">
+                <a:solidFill>
+                  <a:srgbClr val="000000"/>
+                </a:solidFill>
+                <a:effectLst/>
+                <a:latin typeface="Consolas" panose="020B0609020204030204" pitchFamily="49" charset="0"/>
+              </a:rPr>
+              <a:t>    std::vector&lt;Pixel&gt; pixels(limit, {</a:t>
+            </a:r>
+            <a:r>
+              <a:rPr lang="en-US" sz="1400" b="0" dirty="0">
+                <a:solidFill>
+                  <a:srgbClr val="098658"/>
+                </a:solidFill>
+                <a:effectLst/>
+                <a:latin typeface="Consolas" panose="020B0609020204030204" pitchFamily="49" charset="0"/>
+              </a:rPr>
+              <a:t>0</a:t>
+            </a:r>
+            <a:r>
+              <a:rPr lang="en-US" sz="1400" b="0" dirty="0">
+                <a:solidFill>
+                  <a:srgbClr val="000000"/>
+                </a:solidFill>
+                <a:effectLst/>
+                <a:latin typeface="Consolas" panose="020B0609020204030204" pitchFamily="49" charset="0"/>
+              </a:rPr>
+              <a:t>, </a:t>
+            </a:r>
+            <a:r>
+              <a:rPr lang="en-US" sz="1400" b="0" dirty="0">
+                <a:solidFill>
+                  <a:srgbClr val="098658"/>
+                </a:solidFill>
+                <a:effectLst/>
+                <a:latin typeface="Consolas" panose="020B0609020204030204" pitchFamily="49" charset="0"/>
+              </a:rPr>
+              <a:t>128</a:t>
+            </a:r>
+            <a:r>
+              <a:rPr lang="en-US" sz="1400" b="0" dirty="0">
+                <a:solidFill>
+                  <a:srgbClr val="000000"/>
+                </a:solidFill>
+                <a:effectLst/>
+                <a:latin typeface="Consolas" panose="020B0609020204030204" pitchFamily="49" charset="0"/>
+              </a:rPr>
+              <a:t>, </a:t>
+            </a:r>
+            <a:r>
+              <a:rPr lang="en-US" sz="1400" b="0" dirty="0">
+                <a:solidFill>
+                  <a:srgbClr val="098658"/>
+                </a:solidFill>
+                <a:effectLst/>
+                <a:latin typeface="Consolas" panose="020B0609020204030204" pitchFamily="49" charset="0"/>
+              </a:rPr>
+              <a:t>259</a:t>
+            </a:r>
+            <a:r>
+              <a:rPr lang="en-US" sz="1400" b="0" dirty="0">
+                <a:solidFill>
+                  <a:srgbClr val="000000"/>
+                </a:solidFill>
+                <a:effectLst/>
+                <a:latin typeface="Consolas" panose="020B0609020204030204" pitchFamily="49" charset="0"/>
+              </a:rPr>
+              <a:t>});</a:t>
+            </a:r>
+          </a:p>
+          <a:p>
+            <a:r>
+              <a:rPr lang="en-US" sz="1400" b="0" dirty="0">
+                <a:solidFill>
+                  <a:srgbClr val="000000"/>
+                </a:solidFill>
+                <a:effectLst/>
+                <a:latin typeface="Consolas" panose="020B0609020204030204" pitchFamily="49" charset="0"/>
+              </a:rPr>
+              <a:t>    </a:t>
+            </a:r>
+            <a:r>
+              <a:rPr lang="en-US" sz="1400" b="0" dirty="0">
+                <a:solidFill>
+                  <a:srgbClr val="0000FF"/>
+                </a:solidFill>
+                <a:effectLst/>
+                <a:latin typeface="Consolas" panose="020B0609020204030204" pitchFamily="49" charset="0"/>
+              </a:rPr>
+              <a:t>return</a:t>
+            </a:r>
+            <a:r>
+              <a:rPr lang="en-US" sz="1400" b="0" dirty="0">
+                <a:solidFill>
+                  <a:srgbClr val="000000"/>
+                </a:solidFill>
+                <a:effectLst/>
+                <a:latin typeface="Consolas" panose="020B0609020204030204" pitchFamily="49" charset="0"/>
+              </a:rPr>
+              <a:t> </a:t>
+            </a:r>
+            <a:r>
+              <a:rPr lang="en-US" sz="1400" b="0" dirty="0" err="1">
+                <a:solidFill>
+                  <a:srgbClr val="000000"/>
+                </a:solidFill>
+                <a:effectLst/>
+                <a:latin typeface="Consolas" panose="020B0609020204030204" pitchFamily="49" charset="0"/>
+              </a:rPr>
+              <a:t>RawImage</a:t>
+            </a:r>
+            <a:r>
+              <a:rPr lang="en-US" sz="1400" b="0" dirty="0">
+                <a:solidFill>
+                  <a:srgbClr val="000000"/>
+                </a:solidFill>
+                <a:effectLst/>
+                <a:latin typeface="Consolas" panose="020B0609020204030204" pitchFamily="49" charset="0"/>
+              </a:rPr>
+              <a:t>(pixels);</a:t>
+            </a:r>
+          </a:p>
+          <a:p>
+            <a:r>
+              <a:rPr lang="en-US" sz="1400" b="0" dirty="0">
+                <a:solidFill>
+                  <a:srgbClr val="000000"/>
+                </a:solidFill>
+                <a:effectLst/>
+                <a:latin typeface="Consolas" panose="020B0609020204030204" pitchFamily="49" charset="0"/>
+              </a:rPr>
+              <a:t>}</a:t>
+            </a:r>
+          </a:p>
+        </p:txBody>
+      </p:sp>
+    </p:spTree>
+    <p:extLst>
+      <p:ext uri="{BB962C8B-B14F-4D97-AF65-F5344CB8AC3E}">
+        <p14:creationId xmlns:p14="http://schemas.microsoft.com/office/powerpoint/2010/main" val="2418816776"/>
+      </p:ext>
+    </p:extLst>
+  </p:cSld>
+  <p:clrMapOvr>
+    <a:masterClrMapping/>
+  </p:clrMapOvr>
+</p:sld>
+</file>
+
+<file path=ppt/slides/slide12.xml><?xml version="1.0" encoding="utf-8"?>
+<p:sld xmlns:a="http://schemas.openxmlformats.org/drawingml/2006/main" xmlns:r="http://schemas.openxmlformats.org/officeDocument/2006/relationships" xmlns:p="http://schemas.openxmlformats.org/presentationml/2006/main">
+  <p:cSld>
+    <p:spTree>
+      <p:nvGrpSpPr>
+        <p:cNvPr id="1" name="">
+          <a:extLst>
+            <a:ext uri="{FF2B5EF4-FFF2-40B4-BE49-F238E27FC236}">
+              <a16:creationId xmlns:a16="http://schemas.microsoft.com/office/drawing/2014/main" id="{12FCC509-0B4F-265A-F177-407BA1DE398A}"/>
+            </a:ext>
+          </a:extLst>
+        </p:cNvPr>
+        <p:cNvGrpSpPr/>
+        <p:nvPr/>
+      </p:nvGrpSpPr>
+      <p:grpSpPr>
+        <a:xfrm>
+          <a:off x="0" y="0"/>
+          <a:ext cx="0" cy="0"/>
+          <a:chOff x="0" y="0"/>
+          <a:chExt cx="0" cy="0"/>
+        </a:xfrm>
+      </p:grpSpPr>
+      <p:sp>
+        <p:nvSpPr>
+          <p:cNvPr id="2" name="Title 1">
+            <a:extLst>
+              <a:ext uri="{FF2B5EF4-FFF2-40B4-BE49-F238E27FC236}">
+                <a16:creationId xmlns:a16="http://schemas.microsoft.com/office/drawing/2014/main" id="{4558FFDF-CCB9-AC37-90FA-18FB78898E21}"/>
+              </a:ext>
+            </a:extLst>
+          </p:cNvPr>
+          <p:cNvSpPr>
+            <a:spLocks noGrp="1"/>
+          </p:cNvSpPr>
+          <p:nvPr>
+            <p:ph type="title"/>
+          </p:nvPr>
+        </p:nvSpPr>
+        <p:spPr/>
+        <p:txBody>
+          <a:bodyPr/>
+          <a:lstStyle/>
+          <a:p>
+            <a:r>
+              <a:rPr lang="en-US" dirty="0">
+                <a:latin typeface="Comic Sans MS" panose="030F0702030302020204" pitchFamily="66" charset="0"/>
+              </a:rPr>
+              <a:t>Ref qualifiers</a:t>
+            </a:r>
+          </a:p>
+        </p:txBody>
+      </p:sp>
+      <p:sp>
+        <p:nvSpPr>
+          <p:cNvPr id="3" name="Content Placeholder 2">
+            <a:extLst>
+              <a:ext uri="{FF2B5EF4-FFF2-40B4-BE49-F238E27FC236}">
+                <a16:creationId xmlns:a16="http://schemas.microsoft.com/office/drawing/2014/main" id="{829D83E1-D300-876C-FDE2-FA307DCC943B}"/>
+              </a:ext>
+            </a:extLst>
+          </p:cNvPr>
+          <p:cNvSpPr>
+            <a:spLocks noGrp="1"/>
+          </p:cNvSpPr>
+          <p:nvPr>
+            <p:ph idx="1"/>
+          </p:nvPr>
+        </p:nvSpPr>
+        <p:spPr>
+          <a:xfrm>
+            <a:off x="633920" y="3776305"/>
+            <a:ext cx="2206557" cy="717871"/>
+          </a:xfrm>
+        </p:spPr>
+        <p:txBody>
+          <a:bodyPr>
+            <a:noAutofit/>
+          </a:bodyPr>
+          <a:lstStyle/>
+          <a:p>
+            <a:pPr marL="0" indent="0">
+              <a:buNone/>
+            </a:pPr>
+            <a:r>
+              <a:rPr lang="en-US" sz="1800" dirty="0">
+                <a:latin typeface="Comic Sans MS" panose="030F0702030302020204" pitchFamily="66" charset="0"/>
+              </a:rPr>
+              <a:t>Is there any problem here?</a:t>
+            </a:r>
+            <a:endParaRPr lang="en-US" sz="1600" dirty="0">
+              <a:latin typeface="Comic Sans MS" panose="030F0702030302020204" pitchFamily="66" charset="0"/>
+            </a:endParaRPr>
+          </a:p>
+        </p:txBody>
+      </p:sp>
+      <p:sp>
+        <p:nvSpPr>
+          <p:cNvPr id="8" name="TextBox 7">
+            <a:extLst>
+              <a:ext uri="{FF2B5EF4-FFF2-40B4-BE49-F238E27FC236}">
+                <a16:creationId xmlns:a16="http://schemas.microsoft.com/office/drawing/2014/main" id="{696D94E5-6D83-72D9-F967-1B2339630466}"/>
+              </a:ext>
+            </a:extLst>
+          </p:cNvPr>
+          <p:cNvSpPr txBox="1"/>
+          <p:nvPr/>
+        </p:nvSpPr>
+        <p:spPr>
+          <a:xfrm>
+            <a:off x="3019626" y="2042361"/>
+            <a:ext cx="8664914" cy="4185761"/>
+          </a:xfrm>
+          <a:prstGeom prst="rect">
+            <a:avLst/>
+          </a:prstGeom>
+          <a:noFill/>
+          <a:ln>
+            <a:solidFill>
+              <a:srgbClr val="002060"/>
+            </a:solidFill>
+          </a:ln>
+        </p:spPr>
+        <p:txBody>
+          <a:bodyPr wrap="square">
+            <a:spAutoFit/>
+          </a:bodyPr>
+          <a:lstStyle/>
+          <a:p>
+            <a:r>
+              <a:rPr lang="en-US" sz="1400" b="0" dirty="0">
+                <a:solidFill>
+                  <a:srgbClr val="0000FF"/>
+                </a:solidFill>
+                <a:effectLst/>
+                <a:latin typeface="Consolas" panose="020B0609020204030204" pitchFamily="49" charset="0"/>
+              </a:rPr>
+              <a:t>int</a:t>
+            </a:r>
+            <a:r>
+              <a:rPr lang="en-US" sz="1400" b="0" dirty="0">
+                <a:solidFill>
+                  <a:srgbClr val="000000"/>
+                </a:solidFill>
+                <a:effectLst/>
+                <a:latin typeface="Consolas" panose="020B0609020204030204" pitchFamily="49" charset="0"/>
+              </a:rPr>
+              <a:t> main() {</a:t>
+            </a:r>
+          </a:p>
+          <a:p>
+            <a:r>
+              <a:rPr lang="en-US" sz="1400" b="0" dirty="0">
+                <a:solidFill>
+                  <a:srgbClr val="000000"/>
+                </a:solidFill>
+                <a:effectLst/>
+                <a:latin typeface="Consolas" panose="020B0609020204030204" pitchFamily="49" charset="0"/>
+              </a:rPr>
+              <a:t>    </a:t>
+            </a:r>
+            <a:r>
+              <a:rPr lang="en-US" sz="1400" b="0" dirty="0">
+                <a:solidFill>
+                  <a:srgbClr val="0000FF"/>
+                </a:solidFill>
+                <a:effectLst/>
+                <a:latin typeface="Consolas" panose="020B0609020204030204" pitchFamily="49" charset="0"/>
+              </a:rPr>
+              <a:t>auto</a:t>
+            </a:r>
+            <a:r>
+              <a:rPr lang="en-US" sz="1400" b="0" dirty="0">
+                <a:solidFill>
+                  <a:srgbClr val="000000"/>
+                </a:solidFill>
+                <a:effectLst/>
+                <a:latin typeface="Consolas" panose="020B0609020204030204" pitchFamily="49" charset="0"/>
+              </a:rPr>
+              <a:t> filter = [](Pixel p) {</a:t>
+            </a:r>
+          </a:p>
+          <a:p>
+            <a:r>
+              <a:rPr lang="en-US" sz="1400" b="0" dirty="0">
+                <a:solidFill>
+                  <a:srgbClr val="000000"/>
+                </a:solidFill>
+                <a:effectLst/>
+                <a:latin typeface="Consolas" panose="020B0609020204030204" pitchFamily="49" charset="0"/>
+              </a:rPr>
+              <a:t>        </a:t>
+            </a:r>
+            <a:r>
+              <a:rPr lang="en-US" sz="1400" b="0" dirty="0" err="1">
+                <a:solidFill>
+                  <a:srgbClr val="000000"/>
+                </a:solidFill>
+                <a:effectLst/>
+                <a:latin typeface="Consolas" panose="020B0609020204030204" pitchFamily="49" charset="0"/>
+              </a:rPr>
+              <a:t>p.r</a:t>
+            </a:r>
+            <a:r>
+              <a:rPr lang="en-US" sz="1400" b="0" dirty="0">
+                <a:solidFill>
+                  <a:srgbClr val="000000"/>
+                </a:solidFill>
+                <a:effectLst/>
+                <a:latin typeface="Consolas" panose="020B0609020204030204" pitchFamily="49" charset="0"/>
+              </a:rPr>
+              <a:t> = </a:t>
+            </a:r>
+            <a:r>
+              <a:rPr lang="en-US" sz="1400" b="0" dirty="0" err="1">
+                <a:solidFill>
+                  <a:srgbClr val="000000"/>
+                </a:solidFill>
+                <a:effectLst/>
+                <a:latin typeface="Consolas" panose="020B0609020204030204" pitchFamily="49" charset="0"/>
+              </a:rPr>
+              <a:t>p.r</a:t>
+            </a:r>
+            <a:r>
+              <a:rPr lang="en-US" sz="1400" b="0" dirty="0">
+                <a:solidFill>
+                  <a:srgbClr val="000000"/>
+                </a:solidFill>
+                <a:effectLst/>
+                <a:latin typeface="Consolas" panose="020B0609020204030204" pitchFamily="49" charset="0"/>
+              </a:rPr>
+              <a:t> &gt; </a:t>
+            </a:r>
+            <a:r>
+              <a:rPr lang="en-US" sz="1400" b="0" dirty="0">
+                <a:solidFill>
+                  <a:srgbClr val="098658"/>
+                </a:solidFill>
+                <a:effectLst/>
+                <a:latin typeface="Consolas" panose="020B0609020204030204" pitchFamily="49" charset="0"/>
+              </a:rPr>
+              <a:t>255</a:t>
+            </a:r>
+            <a:r>
+              <a:rPr lang="en-US" sz="1400" b="0" dirty="0">
+                <a:solidFill>
+                  <a:srgbClr val="000000"/>
+                </a:solidFill>
+                <a:effectLst/>
+                <a:latin typeface="Consolas" panose="020B0609020204030204" pitchFamily="49" charset="0"/>
+              </a:rPr>
+              <a:t> ? </a:t>
+            </a:r>
+            <a:r>
+              <a:rPr lang="en-US" sz="1400" b="0" dirty="0">
+                <a:solidFill>
+                  <a:srgbClr val="098658"/>
+                </a:solidFill>
+                <a:effectLst/>
+                <a:latin typeface="Consolas" panose="020B0609020204030204" pitchFamily="49" charset="0"/>
+              </a:rPr>
+              <a:t>255</a:t>
+            </a:r>
+            <a:r>
+              <a:rPr lang="en-US" sz="1400" b="0" dirty="0">
+                <a:solidFill>
+                  <a:srgbClr val="000000"/>
+                </a:solidFill>
+                <a:effectLst/>
+                <a:latin typeface="Consolas" panose="020B0609020204030204" pitchFamily="49" charset="0"/>
+              </a:rPr>
+              <a:t> : </a:t>
+            </a:r>
+            <a:r>
+              <a:rPr lang="en-US" sz="1400" b="0" dirty="0" err="1">
+                <a:solidFill>
+                  <a:srgbClr val="000000"/>
+                </a:solidFill>
+                <a:effectLst/>
+                <a:latin typeface="Consolas" panose="020B0609020204030204" pitchFamily="49" charset="0"/>
+              </a:rPr>
+              <a:t>p.r</a:t>
+            </a:r>
+            <a:r>
+              <a:rPr lang="en-US" sz="1400" b="0" dirty="0">
+                <a:solidFill>
+                  <a:srgbClr val="000000"/>
+                </a:solidFill>
+                <a:effectLst/>
+                <a:latin typeface="Consolas" panose="020B0609020204030204" pitchFamily="49" charset="0"/>
+              </a:rPr>
+              <a:t>;</a:t>
+            </a:r>
+          </a:p>
+          <a:p>
+            <a:r>
+              <a:rPr lang="en-US" sz="1400" b="0" dirty="0">
+                <a:solidFill>
+                  <a:srgbClr val="000000"/>
+                </a:solidFill>
+                <a:effectLst/>
+                <a:latin typeface="Consolas" panose="020B0609020204030204" pitchFamily="49" charset="0"/>
+              </a:rPr>
+              <a:t>        </a:t>
+            </a:r>
+            <a:r>
+              <a:rPr lang="en-US" sz="1400" b="0" dirty="0" err="1">
+                <a:solidFill>
+                  <a:srgbClr val="000000"/>
+                </a:solidFill>
+                <a:effectLst/>
+                <a:latin typeface="Consolas" panose="020B0609020204030204" pitchFamily="49" charset="0"/>
+              </a:rPr>
+              <a:t>p.g</a:t>
+            </a:r>
+            <a:r>
+              <a:rPr lang="en-US" sz="1400" b="0" dirty="0">
+                <a:solidFill>
+                  <a:srgbClr val="000000"/>
+                </a:solidFill>
+                <a:effectLst/>
+                <a:latin typeface="Consolas" panose="020B0609020204030204" pitchFamily="49" charset="0"/>
+              </a:rPr>
+              <a:t> = </a:t>
+            </a:r>
+            <a:r>
+              <a:rPr lang="en-US" sz="1400" b="0" dirty="0" err="1">
+                <a:solidFill>
+                  <a:srgbClr val="000000"/>
+                </a:solidFill>
+                <a:effectLst/>
+                <a:latin typeface="Consolas" panose="020B0609020204030204" pitchFamily="49" charset="0"/>
+              </a:rPr>
+              <a:t>p.g</a:t>
+            </a:r>
+            <a:r>
+              <a:rPr lang="en-US" sz="1400" b="0" dirty="0">
+                <a:solidFill>
+                  <a:srgbClr val="000000"/>
+                </a:solidFill>
+                <a:effectLst/>
+                <a:latin typeface="Consolas" panose="020B0609020204030204" pitchFamily="49" charset="0"/>
+              </a:rPr>
+              <a:t> &gt; </a:t>
+            </a:r>
+            <a:r>
+              <a:rPr lang="en-US" sz="1400" b="0" dirty="0">
+                <a:solidFill>
+                  <a:srgbClr val="098658"/>
+                </a:solidFill>
+                <a:effectLst/>
+                <a:latin typeface="Consolas" panose="020B0609020204030204" pitchFamily="49" charset="0"/>
+              </a:rPr>
+              <a:t>255</a:t>
+            </a:r>
+            <a:r>
+              <a:rPr lang="en-US" sz="1400" b="0" dirty="0">
+                <a:solidFill>
+                  <a:srgbClr val="000000"/>
+                </a:solidFill>
+                <a:effectLst/>
+                <a:latin typeface="Consolas" panose="020B0609020204030204" pitchFamily="49" charset="0"/>
+              </a:rPr>
+              <a:t> ? </a:t>
+            </a:r>
+            <a:r>
+              <a:rPr lang="en-US" sz="1400" b="0" dirty="0">
+                <a:solidFill>
+                  <a:srgbClr val="098658"/>
+                </a:solidFill>
+                <a:effectLst/>
+                <a:latin typeface="Consolas" panose="020B0609020204030204" pitchFamily="49" charset="0"/>
+              </a:rPr>
+              <a:t>255</a:t>
+            </a:r>
+            <a:r>
+              <a:rPr lang="en-US" sz="1400" b="0" dirty="0">
+                <a:solidFill>
+                  <a:srgbClr val="000000"/>
+                </a:solidFill>
+                <a:effectLst/>
+                <a:latin typeface="Consolas" panose="020B0609020204030204" pitchFamily="49" charset="0"/>
+              </a:rPr>
+              <a:t> : </a:t>
+            </a:r>
+            <a:r>
+              <a:rPr lang="en-US" sz="1400" b="0" dirty="0" err="1">
+                <a:solidFill>
+                  <a:srgbClr val="000000"/>
+                </a:solidFill>
+                <a:effectLst/>
+                <a:latin typeface="Consolas" panose="020B0609020204030204" pitchFamily="49" charset="0"/>
+              </a:rPr>
+              <a:t>p.g</a:t>
+            </a:r>
+            <a:r>
+              <a:rPr lang="en-US" sz="1400" b="0" dirty="0">
+                <a:solidFill>
+                  <a:srgbClr val="000000"/>
+                </a:solidFill>
+                <a:effectLst/>
+                <a:latin typeface="Consolas" panose="020B0609020204030204" pitchFamily="49" charset="0"/>
+              </a:rPr>
+              <a:t>;</a:t>
+            </a:r>
+          </a:p>
+          <a:p>
+            <a:r>
+              <a:rPr lang="en-US" sz="1400" b="0" dirty="0">
+                <a:solidFill>
+                  <a:srgbClr val="000000"/>
+                </a:solidFill>
+                <a:effectLst/>
+                <a:latin typeface="Consolas" panose="020B0609020204030204" pitchFamily="49" charset="0"/>
+              </a:rPr>
+              <a:t>        </a:t>
+            </a:r>
+            <a:r>
+              <a:rPr lang="en-US" sz="1400" b="0" dirty="0" err="1">
+                <a:solidFill>
+                  <a:srgbClr val="000000"/>
+                </a:solidFill>
+                <a:effectLst/>
+                <a:latin typeface="Consolas" panose="020B0609020204030204" pitchFamily="49" charset="0"/>
+              </a:rPr>
+              <a:t>p.b</a:t>
+            </a:r>
+            <a:r>
+              <a:rPr lang="en-US" sz="1400" b="0" dirty="0">
+                <a:solidFill>
+                  <a:srgbClr val="000000"/>
+                </a:solidFill>
+                <a:effectLst/>
+                <a:latin typeface="Consolas" panose="020B0609020204030204" pitchFamily="49" charset="0"/>
+              </a:rPr>
+              <a:t> = </a:t>
+            </a:r>
+            <a:r>
+              <a:rPr lang="en-US" sz="1400" b="0" dirty="0" err="1">
+                <a:solidFill>
+                  <a:srgbClr val="000000"/>
+                </a:solidFill>
+                <a:effectLst/>
+                <a:latin typeface="Consolas" panose="020B0609020204030204" pitchFamily="49" charset="0"/>
+              </a:rPr>
+              <a:t>p.b</a:t>
+            </a:r>
+            <a:r>
+              <a:rPr lang="en-US" sz="1400" b="0" dirty="0">
+                <a:solidFill>
+                  <a:srgbClr val="000000"/>
+                </a:solidFill>
+                <a:effectLst/>
+                <a:latin typeface="Consolas" panose="020B0609020204030204" pitchFamily="49" charset="0"/>
+              </a:rPr>
+              <a:t> &gt; </a:t>
+            </a:r>
+            <a:r>
+              <a:rPr lang="en-US" sz="1400" b="0" dirty="0">
+                <a:solidFill>
+                  <a:srgbClr val="098658"/>
+                </a:solidFill>
+                <a:effectLst/>
+                <a:latin typeface="Consolas" panose="020B0609020204030204" pitchFamily="49" charset="0"/>
+              </a:rPr>
+              <a:t>255</a:t>
+            </a:r>
+            <a:r>
+              <a:rPr lang="en-US" sz="1400" b="0" dirty="0">
+                <a:solidFill>
+                  <a:srgbClr val="000000"/>
+                </a:solidFill>
+                <a:effectLst/>
+                <a:latin typeface="Consolas" panose="020B0609020204030204" pitchFamily="49" charset="0"/>
+              </a:rPr>
+              <a:t> ? </a:t>
+            </a:r>
+            <a:r>
+              <a:rPr lang="en-US" sz="1400" b="0" dirty="0">
+                <a:solidFill>
+                  <a:srgbClr val="098658"/>
+                </a:solidFill>
+                <a:effectLst/>
+                <a:latin typeface="Consolas" panose="020B0609020204030204" pitchFamily="49" charset="0"/>
+              </a:rPr>
+              <a:t>255</a:t>
+            </a:r>
+            <a:r>
+              <a:rPr lang="en-US" sz="1400" b="0" dirty="0">
+                <a:solidFill>
+                  <a:srgbClr val="000000"/>
+                </a:solidFill>
+                <a:effectLst/>
+                <a:latin typeface="Consolas" panose="020B0609020204030204" pitchFamily="49" charset="0"/>
+              </a:rPr>
+              <a:t> : </a:t>
+            </a:r>
+            <a:r>
+              <a:rPr lang="en-US" sz="1400" b="0" dirty="0" err="1">
+                <a:solidFill>
+                  <a:srgbClr val="000000"/>
+                </a:solidFill>
+                <a:effectLst/>
+                <a:latin typeface="Consolas" panose="020B0609020204030204" pitchFamily="49" charset="0"/>
+              </a:rPr>
+              <a:t>p.b</a:t>
+            </a:r>
+            <a:r>
+              <a:rPr lang="en-US" sz="1400" b="0" dirty="0">
+                <a:solidFill>
+                  <a:srgbClr val="000000"/>
+                </a:solidFill>
+                <a:effectLst/>
+                <a:latin typeface="Consolas" panose="020B0609020204030204" pitchFamily="49" charset="0"/>
+              </a:rPr>
+              <a:t>;</a:t>
+            </a:r>
+          </a:p>
+          <a:p>
+            <a:r>
+              <a:rPr lang="en-US" sz="1400" b="0" dirty="0">
+                <a:solidFill>
+                  <a:srgbClr val="000000"/>
+                </a:solidFill>
+                <a:effectLst/>
+                <a:latin typeface="Consolas" panose="020B0609020204030204" pitchFamily="49" charset="0"/>
+              </a:rPr>
+              <a:t>        </a:t>
+            </a:r>
+            <a:r>
+              <a:rPr lang="en-US" sz="1400" b="0" dirty="0">
+                <a:solidFill>
+                  <a:srgbClr val="0000FF"/>
+                </a:solidFill>
+                <a:effectLst/>
+                <a:latin typeface="Consolas" panose="020B0609020204030204" pitchFamily="49" charset="0"/>
+              </a:rPr>
+              <a:t>return</a:t>
+            </a:r>
+            <a:r>
+              <a:rPr lang="en-US" sz="1400" b="0" dirty="0">
+                <a:solidFill>
+                  <a:srgbClr val="000000"/>
+                </a:solidFill>
+                <a:effectLst/>
+                <a:latin typeface="Consolas" panose="020B0609020204030204" pitchFamily="49" charset="0"/>
+              </a:rPr>
+              <a:t> p;</a:t>
+            </a:r>
+          </a:p>
+          <a:p>
+            <a:r>
+              <a:rPr lang="en-US" sz="1400" b="0" dirty="0">
+                <a:solidFill>
+                  <a:srgbClr val="000000"/>
+                </a:solidFill>
+                <a:effectLst/>
+                <a:latin typeface="Consolas" panose="020B0609020204030204" pitchFamily="49" charset="0"/>
+              </a:rPr>
+              <a:t>    };</a:t>
+            </a:r>
+          </a:p>
+          <a:p>
+            <a:br>
+              <a:rPr lang="en-US" sz="1400" b="0" dirty="0">
+                <a:solidFill>
+                  <a:srgbClr val="000000"/>
+                </a:solidFill>
+                <a:effectLst/>
+                <a:latin typeface="Consolas" panose="020B0609020204030204" pitchFamily="49" charset="0"/>
+              </a:rPr>
+            </a:br>
+            <a:r>
+              <a:rPr lang="en-US" sz="1400" b="0" dirty="0">
+                <a:solidFill>
+                  <a:srgbClr val="000000"/>
+                </a:solidFill>
+                <a:effectLst/>
+                <a:latin typeface="Consolas" panose="020B0609020204030204" pitchFamily="49" charset="0"/>
+              </a:rPr>
+              <a:t>    std::vector&lt;Pixel&gt; </a:t>
+            </a:r>
+            <a:r>
+              <a:rPr lang="en-US" sz="1400" b="0" dirty="0" err="1">
+                <a:solidFill>
+                  <a:srgbClr val="000000"/>
+                </a:solidFill>
+                <a:effectLst/>
+                <a:latin typeface="Consolas" panose="020B0609020204030204" pitchFamily="49" charset="0"/>
+              </a:rPr>
+              <a:t>filtered_pixels</a:t>
+            </a:r>
+            <a:r>
+              <a:rPr lang="en-US" sz="1400" b="0" dirty="0">
+                <a:solidFill>
+                  <a:srgbClr val="000000"/>
+                </a:solidFill>
+                <a:effectLst/>
+                <a:latin typeface="Consolas" panose="020B0609020204030204" pitchFamily="49" charset="0"/>
+              </a:rPr>
+              <a:t>;</a:t>
+            </a:r>
+          </a:p>
+          <a:p>
+            <a:r>
+              <a:rPr lang="en-US" sz="1400" b="0" dirty="0">
+                <a:solidFill>
+                  <a:srgbClr val="000000"/>
+                </a:solidFill>
+                <a:effectLst/>
+                <a:latin typeface="Consolas" panose="020B0609020204030204" pitchFamily="49" charset="0"/>
+              </a:rPr>
+              <a:t>    </a:t>
+            </a:r>
+            <a:r>
+              <a:rPr lang="en-US" sz="1400" b="0" dirty="0">
+                <a:solidFill>
+                  <a:srgbClr val="0000FF"/>
+                </a:solidFill>
+                <a:effectLst/>
+                <a:latin typeface="Consolas" panose="020B0609020204030204" pitchFamily="49" charset="0"/>
+              </a:rPr>
+              <a:t>for</a:t>
+            </a:r>
+            <a:r>
+              <a:rPr lang="en-US" sz="1400" b="0" dirty="0">
+                <a:solidFill>
+                  <a:srgbClr val="000000"/>
+                </a:solidFill>
+                <a:effectLst/>
+                <a:latin typeface="Consolas" panose="020B0609020204030204" pitchFamily="49" charset="0"/>
+              </a:rPr>
+              <a:t> (</a:t>
+            </a:r>
+            <a:r>
+              <a:rPr lang="en-US" sz="1400" b="0" dirty="0">
+                <a:solidFill>
+                  <a:srgbClr val="0000FF"/>
+                </a:solidFill>
+                <a:effectLst/>
+                <a:latin typeface="Consolas" panose="020B0609020204030204" pitchFamily="49" charset="0"/>
+              </a:rPr>
+              <a:t>const</a:t>
+            </a:r>
+            <a:r>
+              <a:rPr lang="en-US" sz="1400" b="0" dirty="0">
+                <a:solidFill>
+                  <a:srgbClr val="000000"/>
+                </a:solidFill>
+                <a:effectLst/>
+                <a:latin typeface="Consolas" panose="020B0609020204030204" pitchFamily="49" charset="0"/>
+              </a:rPr>
+              <a:t> </a:t>
+            </a:r>
+            <a:r>
+              <a:rPr lang="en-US" sz="1400" b="0" dirty="0">
+                <a:solidFill>
+                  <a:srgbClr val="0000FF"/>
+                </a:solidFill>
+                <a:effectLst/>
+                <a:latin typeface="Consolas" panose="020B0609020204030204" pitchFamily="49" charset="0"/>
+              </a:rPr>
+              <a:t>auto</a:t>
+            </a:r>
+            <a:r>
+              <a:rPr lang="en-US" sz="1400" b="0" dirty="0">
+                <a:solidFill>
+                  <a:srgbClr val="000000"/>
+                </a:solidFill>
+                <a:effectLst/>
+                <a:latin typeface="Consolas" panose="020B0609020204030204" pitchFamily="49" charset="0"/>
+              </a:rPr>
+              <a:t>&amp; pixel : </a:t>
+            </a:r>
+            <a:r>
+              <a:rPr lang="en-US" sz="1400" b="0" dirty="0" err="1">
+                <a:solidFill>
+                  <a:srgbClr val="000000"/>
+                </a:solidFill>
+                <a:effectLst/>
+                <a:latin typeface="Consolas" panose="020B0609020204030204" pitchFamily="49" charset="0"/>
+              </a:rPr>
+              <a:t>createRandomImage</a:t>
+            </a:r>
+            <a:r>
+              <a:rPr lang="en-US" sz="1400" b="0" dirty="0">
+                <a:solidFill>
+                  <a:srgbClr val="000000"/>
+                </a:solidFill>
+                <a:effectLst/>
+                <a:latin typeface="Consolas" panose="020B0609020204030204" pitchFamily="49" charset="0"/>
+              </a:rPr>
+              <a:t>(</a:t>
+            </a:r>
+            <a:r>
+              <a:rPr lang="en-US" sz="1400" b="0" dirty="0">
+                <a:solidFill>
+                  <a:srgbClr val="098658"/>
+                </a:solidFill>
+                <a:effectLst/>
+                <a:latin typeface="Consolas" panose="020B0609020204030204" pitchFamily="49" charset="0"/>
+              </a:rPr>
+              <a:t>10</a:t>
+            </a:r>
+            <a:r>
+              <a:rPr lang="en-US" sz="1400" b="0" dirty="0">
+                <a:solidFill>
+                  <a:srgbClr val="000000"/>
+                </a:solidFill>
+                <a:effectLst/>
+                <a:latin typeface="Consolas" panose="020B0609020204030204" pitchFamily="49" charset="0"/>
+              </a:rPr>
+              <a:t>).data()) {</a:t>
+            </a:r>
+          </a:p>
+          <a:p>
+            <a:r>
+              <a:rPr lang="en-US" sz="1400" b="0" dirty="0">
+                <a:solidFill>
+                  <a:srgbClr val="000000"/>
+                </a:solidFill>
+                <a:effectLst/>
+                <a:latin typeface="Consolas" panose="020B0609020204030204" pitchFamily="49" charset="0"/>
+              </a:rPr>
+              <a:t>        </a:t>
+            </a:r>
+            <a:r>
+              <a:rPr lang="en-US" sz="1400" b="0" dirty="0" err="1">
+                <a:solidFill>
+                  <a:srgbClr val="000000"/>
+                </a:solidFill>
+                <a:effectLst/>
+                <a:latin typeface="Consolas" panose="020B0609020204030204" pitchFamily="49" charset="0"/>
+              </a:rPr>
+              <a:t>filtered_pixels.push_back</a:t>
+            </a:r>
+            <a:r>
+              <a:rPr lang="en-US" sz="1400" b="0" dirty="0">
+                <a:solidFill>
+                  <a:srgbClr val="000000"/>
+                </a:solidFill>
+                <a:effectLst/>
+                <a:latin typeface="Consolas" panose="020B0609020204030204" pitchFamily="49" charset="0"/>
+              </a:rPr>
+              <a:t>(filter(pixel));</a:t>
+            </a:r>
+          </a:p>
+          <a:p>
+            <a:r>
+              <a:rPr lang="en-US" sz="1400" b="0" dirty="0">
+                <a:solidFill>
+                  <a:srgbClr val="000000"/>
+                </a:solidFill>
+                <a:effectLst/>
+                <a:latin typeface="Consolas" panose="020B0609020204030204" pitchFamily="49" charset="0"/>
+              </a:rPr>
+              <a:t>    }</a:t>
+            </a:r>
+          </a:p>
+          <a:p>
+            <a:br>
+              <a:rPr lang="en-US" sz="1400" b="0" dirty="0">
+                <a:solidFill>
+                  <a:srgbClr val="000000"/>
+                </a:solidFill>
+                <a:effectLst/>
+                <a:latin typeface="Consolas" panose="020B0609020204030204" pitchFamily="49" charset="0"/>
+              </a:rPr>
+            </a:br>
+            <a:r>
+              <a:rPr lang="en-US" sz="1400" b="0" dirty="0">
+                <a:solidFill>
+                  <a:srgbClr val="000000"/>
+                </a:solidFill>
+                <a:effectLst/>
+                <a:latin typeface="Consolas" panose="020B0609020204030204" pitchFamily="49" charset="0"/>
+              </a:rPr>
+              <a:t>    </a:t>
+            </a:r>
+            <a:r>
+              <a:rPr lang="en-US" sz="1400" b="0" dirty="0">
+                <a:solidFill>
+                  <a:srgbClr val="0000FF"/>
+                </a:solidFill>
+                <a:effectLst/>
+                <a:latin typeface="Consolas" panose="020B0609020204030204" pitchFamily="49" charset="0"/>
+              </a:rPr>
+              <a:t>for</a:t>
+            </a:r>
+            <a:r>
+              <a:rPr lang="en-US" sz="1400" b="0" dirty="0">
+                <a:solidFill>
+                  <a:srgbClr val="000000"/>
+                </a:solidFill>
+                <a:effectLst/>
+                <a:latin typeface="Consolas" panose="020B0609020204030204" pitchFamily="49" charset="0"/>
+              </a:rPr>
+              <a:t> (</a:t>
+            </a:r>
+            <a:r>
+              <a:rPr lang="en-US" sz="1400" b="0" dirty="0">
+                <a:solidFill>
+                  <a:srgbClr val="0000FF"/>
+                </a:solidFill>
+                <a:effectLst/>
+                <a:latin typeface="Consolas" panose="020B0609020204030204" pitchFamily="49" charset="0"/>
+              </a:rPr>
+              <a:t>const</a:t>
+            </a:r>
+            <a:r>
+              <a:rPr lang="en-US" sz="1400" b="0" dirty="0">
+                <a:solidFill>
+                  <a:srgbClr val="000000"/>
+                </a:solidFill>
+                <a:effectLst/>
+                <a:latin typeface="Consolas" panose="020B0609020204030204" pitchFamily="49" charset="0"/>
+              </a:rPr>
+              <a:t> </a:t>
+            </a:r>
+            <a:r>
+              <a:rPr lang="en-US" sz="1400" b="0" dirty="0">
+                <a:solidFill>
+                  <a:srgbClr val="0000FF"/>
+                </a:solidFill>
+                <a:effectLst/>
+                <a:latin typeface="Consolas" panose="020B0609020204030204" pitchFamily="49" charset="0"/>
+              </a:rPr>
+              <a:t>auto</a:t>
+            </a:r>
+            <a:r>
+              <a:rPr lang="en-US" sz="1400" b="0" dirty="0">
+                <a:solidFill>
+                  <a:srgbClr val="000000"/>
+                </a:solidFill>
+                <a:effectLst/>
+                <a:latin typeface="Consolas" panose="020B0609020204030204" pitchFamily="49" charset="0"/>
+              </a:rPr>
+              <a:t>&amp; pixel : </a:t>
+            </a:r>
+            <a:r>
+              <a:rPr lang="en-US" sz="1400" b="0" dirty="0" err="1">
+                <a:solidFill>
+                  <a:srgbClr val="000000"/>
+                </a:solidFill>
+                <a:effectLst/>
+                <a:latin typeface="Consolas" panose="020B0609020204030204" pitchFamily="49" charset="0"/>
+              </a:rPr>
+              <a:t>filtered_pixels</a:t>
+            </a:r>
+            <a:r>
+              <a:rPr lang="en-US" sz="1400" b="0" dirty="0">
+                <a:solidFill>
+                  <a:srgbClr val="000000"/>
+                </a:solidFill>
+                <a:effectLst/>
+                <a:latin typeface="Consolas" panose="020B0609020204030204" pitchFamily="49" charset="0"/>
+              </a:rPr>
+              <a:t>) {</a:t>
+            </a:r>
+          </a:p>
+          <a:p>
+            <a:r>
+              <a:rPr lang="en-US" sz="1400" b="0" dirty="0">
+                <a:solidFill>
+                  <a:srgbClr val="000000"/>
+                </a:solidFill>
+                <a:effectLst/>
+                <a:latin typeface="Consolas" panose="020B0609020204030204" pitchFamily="49" charset="0"/>
+              </a:rPr>
+              <a:t>        std::</a:t>
+            </a:r>
+            <a:r>
+              <a:rPr lang="en-US" sz="1400" b="0" dirty="0" err="1">
+                <a:solidFill>
+                  <a:srgbClr val="000000"/>
+                </a:solidFill>
+                <a:effectLst/>
+                <a:latin typeface="Consolas" panose="020B0609020204030204" pitchFamily="49" charset="0"/>
+              </a:rPr>
+              <a:t>cout</a:t>
+            </a:r>
+            <a:r>
+              <a:rPr lang="en-US" sz="1400" b="0" dirty="0">
+                <a:solidFill>
+                  <a:srgbClr val="000000"/>
+                </a:solidFill>
+                <a:effectLst/>
+                <a:latin typeface="Consolas" panose="020B0609020204030204" pitchFamily="49" charset="0"/>
+              </a:rPr>
+              <a:t> &lt;&lt; </a:t>
+            </a:r>
+            <a:r>
+              <a:rPr lang="en-US" sz="1400" b="0" dirty="0" err="1">
+                <a:solidFill>
+                  <a:srgbClr val="000000"/>
+                </a:solidFill>
+                <a:effectLst/>
+                <a:latin typeface="Consolas" panose="020B0609020204030204" pitchFamily="49" charset="0"/>
+              </a:rPr>
+              <a:t>pixel.r</a:t>
+            </a:r>
+            <a:r>
+              <a:rPr lang="en-US" sz="1400" b="0" dirty="0">
+                <a:solidFill>
+                  <a:srgbClr val="000000"/>
+                </a:solidFill>
+                <a:effectLst/>
+                <a:latin typeface="Consolas" panose="020B0609020204030204" pitchFamily="49" charset="0"/>
+              </a:rPr>
+              <a:t> &lt;&lt; </a:t>
+            </a:r>
+            <a:r>
+              <a:rPr lang="en-US" sz="1400" b="0" dirty="0">
+                <a:solidFill>
+                  <a:srgbClr val="A31515"/>
+                </a:solidFill>
+                <a:effectLst/>
+                <a:latin typeface="Consolas" panose="020B0609020204030204" pitchFamily="49" charset="0"/>
+              </a:rPr>
+              <a:t>" "</a:t>
+            </a:r>
+            <a:r>
+              <a:rPr lang="en-US" sz="1400" b="0" dirty="0">
+                <a:solidFill>
+                  <a:srgbClr val="000000"/>
+                </a:solidFill>
+                <a:effectLst/>
+                <a:latin typeface="Consolas" panose="020B0609020204030204" pitchFamily="49" charset="0"/>
+              </a:rPr>
+              <a:t> &lt;&lt; </a:t>
+            </a:r>
+            <a:r>
+              <a:rPr lang="en-US" sz="1400" b="0" dirty="0" err="1">
+                <a:solidFill>
+                  <a:srgbClr val="000000"/>
+                </a:solidFill>
+                <a:effectLst/>
+                <a:latin typeface="Consolas" panose="020B0609020204030204" pitchFamily="49" charset="0"/>
+              </a:rPr>
+              <a:t>pixel.g</a:t>
+            </a:r>
+            <a:r>
+              <a:rPr lang="en-US" sz="1400" b="0" dirty="0">
+                <a:solidFill>
+                  <a:srgbClr val="000000"/>
+                </a:solidFill>
+                <a:effectLst/>
+                <a:latin typeface="Consolas" panose="020B0609020204030204" pitchFamily="49" charset="0"/>
+              </a:rPr>
+              <a:t> &lt;&lt; </a:t>
+            </a:r>
+            <a:r>
+              <a:rPr lang="en-US" sz="1400" b="0" dirty="0">
+                <a:solidFill>
+                  <a:srgbClr val="A31515"/>
+                </a:solidFill>
+                <a:effectLst/>
+                <a:latin typeface="Consolas" panose="020B0609020204030204" pitchFamily="49" charset="0"/>
+              </a:rPr>
+              <a:t>" "</a:t>
+            </a:r>
+            <a:r>
+              <a:rPr lang="en-US" sz="1400" b="0" dirty="0">
+                <a:solidFill>
+                  <a:srgbClr val="000000"/>
+                </a:solidFill>
+                <a:effectLst/>
+                <a:latin typeface="Consolas" panose="020B0609020204030204" pitchFamily="49" charset="0"/>
+              </a:rPr>
+              <a:t> &lt;&lt; </a:t>
+            </a:r>
+            <a:r>
+              <a:rPr lang="en-US" sz="1400" b="0" dirty="0" err="1">
+                <a:solidFill>
+                  <a:srgbClr val="000000"/>
+                </a:solidFill>
+                <a:effectLst/>
+                <a:latin typeface="Consolas" panose="020B0609020204030204" pitchFamily="49" charset="0"/>
+              </a:rPr>
+              <a:t>pixel.b</a:t>
+            </a:r>
+            <a:r>
+              <a:rPr lang="en-US" sz="1400" b="0" dirty="0">
+                <a:solidFill>
+                  <a:srgbClr val="000000"/>
+                </a:solidFill>
+                <a:effectLst/>
+                <a:latin typeface="Consolas" panose="020B0609020204030204" pitchFamily="49" charset="0"/>
+              </a:rPr>
+              <a:t> &lt;&lt; std::</a:t>
+            </a:r>
+            <a:r>
+              <a:rPr lang="en-US" sz="1400" b="0" dirty="0" err="1">
+                <a:solidFill>
+                  <a:srgbClr val="000000"/>
+                </a:solidFill>
+                <a:effectLst/>
+                <a:latin typeface="Consolas" panose="020B0609020204030204" pitchFamily="49" charset="0"/>
+              </a:rPr>
+              <a:t>endl</a:t>
+            </a:r>
+            <a:r>
+              <a:rPr lang="en-US" sz="1400" b="0" dirty="0">
+                <a:solidFill>
+                  <a:srgbClr val="000000"/>
+                </a:solidFill>
+                <a:effectLst/>
+                <a:latin typeface="Consolas" panose="020B0609020204030204" pitchFamily="49" charset="0"/>
+              </a:rPr>
+              <a:t>;</a:t>
+            </a:r>
+          </a:p>
+          <a:p>
+            <a:r>
+              <a:rPr lang="en-US" sz="1400" b="0" dirty="0">
+                <a:solidFill>
+                  <a:srgbClr val="000000"/>
+                </a:solidFill>
+                <a:effectLst/>
+                <a:latin typeface="Consolas" panose="020B0609020204030204" pitchFamily="49" charset="0"/>
+              </a:rPr>
+              <a:t>    }</a:t>
+            </a:r>
+          </a:p>
+          <a:p>
+            <a:br>
+              <a:rPr lang="en-US" sz="1400" b="0" dirty="0">
+                <a:solidFill>
+                  <a:srgbClr val="000000"/>
+                </a:solidFill>
+                <a:effectLst/>
+                <a:latin typeface="Consolas" panose="020B0609020204030204" pitchFamily="49" charset="0"/>
+              </a:rPr>
+            </a:br>
+            <a:r>
+              <a:rPr lang="en-US" sz="1400" b="0" dirty="0">
+                <a:solidFill>
+                  <a:srgbClr val="000000"/>
+                </a:solidFill>
+                <a:effectLst/>
+                <a:latin typeface="Consolas" panose="020B0609020204030204" pitchFamily="49" charset="0"/>
+              </a:rPr>
+              <a:t>    </a:t>
+            </a:r>
+            <a:r>
+              <a:rPr lang="en-US" sz="1400" b="0" dirty="0">
+                <a:solidFill>
+                  <a:srgbClr val="0000FF"/>
+                </a:solidFill>
+                <a:effectLst/>
+                <a:latin typeface="Consolas" panose="020B0609020204030204" pitchFamily="49" charset="0"/>
+              </a:rPr>
+              <a:t>return</a:t>
+            </a:r>
+            <a:r>
+              <a:rPr lang="en-US" sz="1400" b="0" dirty="0">
+                <a:solidFill>
+                  <a:srgbClr val="000000"/>
+                </a:solidFill>
+                <a:effectLst/>
+                <a:latin typeface="Consolas" panose="020B0609020204030204" pitchFamily="49" charset="0"/>
+              </a:rPr>
+              <a:t> </a:t>
+            </a:r>
+            <a:r>
+              <a:rPr lang="en-US" sz="1400" b="0" dirty="0">
+                <a:solidFill>
+                  <a:srgbClr val="098658"/>
+                </a:solidFill>
+                <a:effectLst/>
+                <a:latin typeface="Consolas" panose="020B0609020204030204" pitchFamily="49" charset="0"/>
+              </a:rPr>
+              <a:t>0</a:t>
+            </a:r>
+            <a:r>
+              <a:rPr lang="en-US" sz="1400" b="0" dirty="0">
+                <a:solidFill>
+                  <a:srgbClr val="000000"/>
+                </a:solidFill>
+                <a:effectLst/>
+                <a:latin typeface="Consolas" panose="020B0609020204030204" pitchFamily="49" charset="0"/>
+              </a:rPr>
+              <a:t>;</a:t>
+            </a:r>
+          </a:p>
+          <a:p>
+            <a:r>
+              <a:rPr lang="en-US" sz="1400" b="0" dirty="0">
+                <a:solidFill>
+                  <a:srgbClr val="000000"/>
+                </a:solidFill>
+                <a:effectLst/>
+                <a:latin typeface="Consolas" panose="020B0609020204030204" pitchFamily="49" charset="0"/>
+              </a:rPr>
+              <a:t>}</a:t>
+            </a:r>
+          </a:p>
+        </p:txBody>
+      </p:sp>
+    </p:spTree>
+    <p:extLst>
+      <p:ext uri="{BB962C8B-B14F-4D97-AF65-F5344CB8AC3E}">
+        <p14:creationId xmlns:p14="http://schemas.microsoft.com/office/powerpoint/2010/main" val="2958277734"/>
+      </p:ext>
+    </p:extLst>
+  </p:cSld>
+  <p:clrMapOvr>
+    <a:masterClrMapping/>
+  </p:clrMapOvr>
+</p:sld>
+</file>
+
+<file path=ppt/slides/slide13.xml><?xml version="1.0" encoding="utf-8"?>
+<p:sld xmlns:a="http://schemas.openxmlformats.org/drawingml/2006/main" xmlns:r="http://schemas.openxmlformats.org/officeDocument/2006/relationships" xmlns:p="http://schemas.openxmlformats.org/presentationml/2006/main">
+  <p:cSld>
+    <p:spTree>
+      <p:nvGrpSpPr>
+        <p:cNvPr id="1" name="">
+          <a:extLst>
+            <a:ext uri="{FF2B5EF4-FFF2-40B4-BE49-F238E27FC236}">
+              <a16:creationId xmlns:a16="http://schemas.microsoft.com/office/drawing/2014/main" id="{887FC144-48B0-7162-04BC-9AFCE9E90F35}"/>
+            </a:ext>
+          </a:extLst>
+        </p:cNvPr>
+        <p:cNvGrpSpPr/>
+        <p:nvPr/>
+      </p:nvGrpSpPr>
+      <p:grpSpPr>
+        <a:xfrm>
+          <a:off x="0" y="0"/>
+          <a:ext cx="0" cy="0"/>
+          <a:chOff x="0" y="0"/>
+          <a:chExt cx="0" cy="0"/>
+        </a:xfrm>
+      </p:grpSpPr>
+      <p:sp>
+        <p:nvSpPr>
+          <p:cNvPr id="2" name="Title 1">
+            <a:extLst>
+              <a:ext uri="{FF2B5EF4-FFF2-40B4-BE49-F238E27FC236}">
+                <a16:creationId xmlns:a16="http://schemas.microsoft.com/office/drawing/2014/main" id="{26BBA8B6-7E4A-7BF8-8EB3-4DE347EDAB2C}"/>
+              </a:ext>
+            </a:extLst>
+          </p:cNvPr>
+          <p:cNvSpPr>
+            <a:spLocks noGrp="1"/>
+          </p:cNvSpPr>
+          <p:nvPr>
+            <p:ph type="title"/>
+          </p:nvPr>
+        </p:nvSpPr>
+        <p:spPr/>
+        <p:txBody>
+          <a:bodyPr/>
+          <a:lstStyle/>
+          <a:p>
+            <a:r>
+              <a:rPr lang="en-US" dirty="0">
+                <a:latin typeface="Comic Sans MS" panose="030F0702030302020204" pitchFamily="66" charset="0"/>
+              </a:rPr>
+              <a:t>Ref qualifiers</a:t>
+            </a:r>
+          </a:p>
+        </p:txBody>
+      </p:sp>
+      <p:sp>
+        <p:nvSpPr>
+          <p:cNvPr id="3" name="Content Placeholder 2">
+            <a:extLst>
+              <a:ext uri="{FF2B5EF4-FFF2-40B4-BE49-F238E27FC236}">
+                <a16:creationId xmlns:a16="http://schemas.microsoft.com/office/drawing/2014/main" id="{4EF8B96C-F37B-C95B-285E-BC1BE4991161}"/>
+              </a:ext>
+            </a:extLst>
+          </p:cNvPr>
+          <p:cNvSpPr>
+            <a:spLocks noGrp="1"/>
+          </p:cNvSpPr>
+          <p:nvPr>
+            <p:ph idx="1"/>
+          </p:nvPr>
+        </p:nvSpPr>
+        <p:spPr>
+          <a:xfrm>
+            <a:off x="633920" y="3776305"/>
+            <a:ext cx="2206557" cy="717871"/>
+          </a:xfrm>
+        </p:spPr>
+        <p:txBody>
+          <a:bodyPr>
+            <a:noAutofit/>
+          </a:bodyPr>
+          <a:lstStyle/>
+          <a:p>
+            <a:pPr marL="0" indent="0">
+              <a:buNone/>
+            </a:pPr>
+            <a:r>
+              <a:rPr lang="en-US" sz="1800" dirty="0">
+                <a:latin typeface="Comic Sans MS" panose="030F0702030302020204" pitchFamily="66" charset="0"/>
+              </a:rPr>
+              <a:t>Is there any problem here?</a:t>
+            </a:r>
+            <a:endParaRPr lang="en-US" sz="1600" dirty="0">
+              <a:latin typeface="Comic Sans MS" panose="030F0702030302020204" pitchFamily="66" charset="0"/>
+            </a:endParaRPr>
+          </a:p>
+        </p:txBody>
+      </p:sp>
+      <p:sp>
+        <p:nvSpPr>
+          <p:cNvPr id="8" name="TextBox 7">
+            <a:extLst>
+              <a:ext uri="{FF2B5EF4-FFF2-40B4-BE49-F238E27FC236}">
+                <a16:creationId xmlns:a16="http://schemas.microsoft.com/office/drawing/2014/main" id="{283F9F17-EF71-5E8A-25B4-66234F9E7277}"/>
+              </a:ext>
+            </a:extLst>
+          </p:cNvPr>
+          <p:cNvSpPr txBox="1"/>
+          <p:nvPr/>
+        </p:nvSpPr>
+        <p:spPr>
+          <a:xfrm>
+            <a:off x="3019626" y="2042361"/>
+            <a:ext cx="8664914" cy="4185761"/>
+          </a:xfrm>
+          <a:prstGeom prst="rect">
+            <a:avLst/>
+          </a:prstGeom>
+          <a:noFill/>
+          <a:ln>
+            <a:solidFill>
+              <a:srgbClr val="002060"/>
+            </a:solidFill>
+          </a:ln>
+        </p:spPr>
+        <p:txBody>
+          <a:bodyPr wrap="square">
+            <a:spAutoFit/>
+          </a:bodyPr>
+          <a:lstStyle/>
+          <a:p>
+            <a:r>
+              <a:rPr lang="en-US" sz="1400" b="0" dirty="0">
+                <a:solidFill>
+                  <a:srgbClr val="0000FF"/>
+                </a:solidFill>
+                <a:effectLst/>
+                <a:latin typeface="Consolas" panose="020B0609020204030204" pitchFamily="49" charset="0"/>
+              </a:rPr>
+              <a:t>int</a:t>
+            </a:r>
+            <a:r>
+              <a:rPr lang="en-US" sz="1400" b="0" dirty="0">
+                <a:solidFill>
+                  <a:srgbClr val="000000"/>
+                </a:solidFill>
+                <a:effectLst/>
+                <a:latin typeface="Consolas" panose="020B0609020204030204" pitchFamily="49" charset="0"/>
+              </a:rPr>
+              <a:t> main() {</a:t>
+            </a:r>
+          </a:p>
+          <a:p>
+            <a:r>
+              <a:rPr lang="en-US" sz="1400" b="0" dirty="0">
+                <a:solidFill>
+                  <a:srgbClr val="000000"/>
+                </a:solidFill>
+                <a:effectLst/>
+                <a:latin typeface="Consolas" panose="020B0609020204030204" pitchFamily="49" charset="0"/>
+              </a:rPr>
+              <a:t>    </a:t>
+            </a:r>
+            <a:r>
+              <a:rPr lang="en-US" sz="1400" b="0" dirty="0">
+                <a:solidFill>
+                  <a:srgbClr val="0000FF"/>
+                </a:solidFill>
+                <a:effectLst/>
+                <a:latin typeface="Consolas" panose="020B0609020204030204" pitchFamily="49" charset="0"/>
+              </a:rPr>
+              <a:t>auto</a:t>
+            </a:r>
+            <a:r>
+              <a:rPr lang="en-US" sz="1400" b="0" dirty="0">
+                <a:solidFill>
+                  <a:srgbClr val="000000"/>
+                </a:solidFill>
+                <a:effectLst/>
+                <a:latin typeface="Consolas" panose="020B0609020204030204" pitchFamily="49" charset="0"/>
+              </a:rPr>
+              <a:t> filter = [](Pixel p) {</a:t>
+            </a:r>
+          </a:p>
+          <a:p>
+            <a:r>
+              <a:rPr lang="en-US" sz="1400" b="0" dirty="0">
+                <a:solidFill>
+                  <a:srgbClr val="000000"/>
+                </a:solidFill>
+                <a:effectLst/>
+                <a:latin typeface="Consolas" panose="020B0609020204030204" pitchFamily="49" charset="0"/>
+              </a:rPr>
+              <a:t>        </a:t>
+            </a:r>
+            <a:r>
+              <a:rPr lang="en-US" sz="1400" b="0" dirty="0" err="1">
+                <a:solidFill>
+                  <a:srgbClr val="000000"/>
+                </a:solidFill>
+                <a:effectLst/>
+                <a:latin typeface="Consolas" panose="020B0609020204030204" pitchFamily="49" charset="0"/>
+              </a:rPr>
+              <a:t>p.r</a:t>
+            </a:r>
+            <a:r>
+              <a:rPr lang="en-US" sz="1400" b="0" dirty="0">
+                <a:solidFill>
+                  <a:srgbClr val="000000"/>
+                </a:solidFill>
+                <a:effectLst/>
+                <a:latin typeface="Consolas" panose="020B0609020204030204" pitchFamily="49" charset="0"/>
+              </a:rPr>
+              <a:t> = </a:t>
+            </a:r>
+            <a:r>
+              <a:rPr lang="en-US" sz="1400" b="0" dirty="0" err="1">
+                <a:solidFill>
+                  <a:srgbClr val="000000"/>
+                </a:solidFill>
+                <a:effectLst/>
+                <a:latin typeface="Consolas" panose="020B0609020204030204" pitchFamily="49" charset="0"/>
+              </a:rPr>
+              <a:t>p.r</a:t>
+            </a:r>
+            <a:r>
+              <a:rPr lang="en-US" sz="1400" b="0" dirty="0">
+                <a:solidFill>
+                  <a:srgbClr val="000000"/>
+                </a:solidFill>
+                <a:effectLst/>
+                <a:latin typeface="Consolas" panose="020B0609020204030204" pitchFamily="49" charset="0"/>
+              </a:rPr>
+              <a:t> &gt; </a:t>
+            </a:r>
+            <a:r>
+              <a:rPr lang="en-US" sz="1400" b="0" dirty="0">
+                <a:solidFill>
+                  <a:srgbClr val="098658"/>
+                </a:solidFill>
+                <a:effectLst/>
+                <a:latin typeface="Consolas" panose="020B0609020204030204" pitchFamily="49" charset="0"/>
+              </a:rPr>
+              <a:t>255</a:t>
+            </a:r>
+            <a:r>
+              <a:rPr lang="en-US" sz="1400" b="0" dirty="0">
+                <a:solidFill>
+                  <a:srgbClr val="000000"/>
+                </a:solidFill>
+                <a:effectLst/>
+                <a:latin typeface="Consolas" panose="020B0609020204030204" pitchFamily="49" charset="0"/>
+              </a:rPr>
+              <a:t> ? </a:t>
+            </a:r>
+            <a:r>
+              <a:rPr lang="en-US" sz="1400" b="0" dirty="0">
+                <a:solidFill>
+                  <a:srgbClr val="098658"/>
+                </a:solidFill>
+                <a:effectLst/>
+                <a:latin typeface="Consolas" panose="020B0609020204030204" pitchFamily="49" charset="0"/>
+              </a:rPr>
+              <a:t>255</a:t>
+            </a:r>
+            <a:r>
+              <a:rPr lang="en-US" sz="1400" b="0" dirty="0">
+                <a:solidFill>
+                  <a:srgbClr val="000000"/>
+                </a:solidFill>
+                <a:effectLst/>
+                <a:latin typeface="Consolas" panose="020B0609020204030204" pitchFamily="49" charset="0"/>
+              </a:rPr>
+              <a:t> : </a:t>
+            </a:r>
+            <a:r>
+              <a:rPr lang="en-US" sz="1400" b="0" dirty="0" err="1">
+                <a:solidFill>
+                  <a:srgbClr val="000000"/>
+                </a:solidFill>
+                <a:effectLst/>
+                <a:latin typeface="Consolas" panose="020B0609020204030204" pitchFamily="49" charset="0"/>
+              </a:rPr>
+              <a:t>p.r</a:t>
+            </a:r>
+            <a:r>
+              <a:rPr lang="en-US" sz="1400" b="0" dirty="0">
+                <a:solidFill>
+                  <a:srgbClr val="000000"/>
+                </a:solidFill>
+                <a:effectLst/>
+                <a:latin typeface="Consolas" panose="020B0609020204030204" pitchFamily="49" charset="0"/>
+              </a:rPr>
+              <a:t>;</a:t>
+            </a:r>
+          </a:p>
+          <a:p>
+            <a:r>
+              <a:rPr lang="en-US" sz="1400" b="0" dirty="0">
+                <a:solidFill>
+                  <a:srgbClr val="000000"/>
+                </a:solidFill>
+                <a:effectLst/>
+                <a:latin typeface="Consolas" panose="020B0609020204030204" pitchFamily="49" charset="0"/>
+              </a:rPr>
+              <a:t>        </a:t>
+            </a:r>
+            <a:r>
+              <a:rPr lang="en-US" sz="1400" b="0" dirty="0" err="1">
+                <a:solidFill>
+                  <a:srgbClr val="000000"/>
+                </a:solidFill>
+                <a:effectLst/>
+                <a:latin typeface="Consolas" panose="020B0609020204030204" pitchFamily="49" charset="0"/>
+              </a:rPr>
+              <a:t>p.g</a:t>
+            </a:r>
+            <a:r>
+              <a:rPr lang="en-US" sz="1400" b="0" dirty="0">
+                <a:solidFill>
+                  <a:srgbClr val="000000"/>
+                </a:solidFill>
+                <a:effectLst/>
+                <a:latin typeface="Consolas" panose="020B0609020204030204" pitchFamily="49" charset="0"/>
+              </a:rPr>
+              <a:t> = </a:t>
+            </a:r>
+            <a:r>
+              <a:rPr lang="en-US" sz="1400" b="0" dirty="0" err="1">
+                <a:solidFill>
+                  <a:srgbClr val="000000"/>
+                </a:solidFill>
+                <a:effectLst/>
+                <a:latin typeface="Consolas" panose="020B0609020204030204" pitchFamily="49" charset="0"/>
+              </a:rPr>
+              <a:t>p.g</a:t>
+            </a:r>
+            <a:r>
+              <a:rPr lang="en-US" sz="1400" b="0" dirty="0">
+                <a:solidFill>
+                  <a:srgbClr val="000000"/>
+                </a:solidFill>
+                <a:effectLst/>
+                <a:latin typeface="Consolas" panose="020B0609020204030204" pitchFamily="49" charset="0"/>
+              </a:rPr>
+              <a:t> &gt; </a:t>
+            </a:r>
+            <a:r>
+              <a:rPr lang="en-US" sz="1400" b="0" dirty="0">
+                <a:solidFill>
+                  <a:srgbClr val="098658"/>
+                </a:solidFill>
+                <a:effectLst/>
+                <a:latin typeface="Consolas" panose="020B0609020204030204" pitchFamily="49" charset="0"/>
+              </a:rPr>
+              <a:t>255</a:t>
+            </a:r>
+            <a:r>
+              <a:rPr lang="en-US" sz="1400" b="0" dirty="0">
+                <a:solidFill>
+                  <a:srgbClr val="000000"/>
+                </a:solidFill>
+                <a:effectLst/>
+                <a:latin typeface="Consolas" panose="020B0609020204030204" pitchFamily="49" charset="0"/>
+              </a:rPr>
+              <a:t> ? </a:t>
+            </a:r>
+            <a:r>
+              <a:rPr lang="en-US" sz="1400" b="0" dirty="0">
+                <a:solidFill>
+                  <a:srgbClr val="098658"/>
+                </a:solidFill>
+                <a:effectLst/>
+                <a:latin typeface="Consolas" panose="020B0609020204030204" pitchFamily="49" charset="0"/>
+              </a:rPr>
+              <a:t>255</a:t>
+            </a:r>
+            <a:r>
+              <a:rPr lang="en-US" sz="1400" b="0" dirty="0">
+                <a:solidFill>
+                  <a:srgbClr val="000000"/>
+                </a:solidFill>
+                <a:effectLst/>
+                <a:latin typeface="Consolas" panose="020B0609020204030204" pitchFamily="49" charset="0"/>
+              </a:rPr>
+              <a:t> : </a:t>
+            </a:r>
+            <a:r>
+              <a:rPr lang="en-US" sz="1400" b="0" dirty="0" err="1">
+                <a:solidFill>
+                  <a:srgbClr val="000000"/>
+                </a:solidFill>
+                <a:effectLst/>
+                <a:latin typeface="Consolas" panose="020B0609020204030204" pitchFamily="49" charset="0"/>
+              </a:rPr>
+              <a:t>p.g</a:t>
+            </a:r>
+            <a:r>
+              <a:rPr lang="en-US" sz="1400" b="0" dirty="0">
+                <a:solidFill>
+                  <a:srgbClr val="000000"/>
+                </a:solidFill>
+                <a:effectLst/>
+                <a:latin typeface="Consolas" panose="020B0609020204030204" pitchFamily="49" charset="0"/>
+              </a:rPr>
+              <a:t>;</a:t>
+            </a:r>
+          </a:p>
+          <a:p>
+            <a:r>
+              <a:rPr lang="en-US" sz="1400" b="0" dirty="0">
+                <a:solidFill>
+                  <a:srgbClr val="000000"/>
+                </a:solidFill>
+                <a:effectLst/>
+                <a:latin typeface="Consolas" panose="020B0609020204030204" pitchFamily="49" charset="0"/>
+              </a:rPr>
+              <a:t>        </a:t>
+            </a:r>
+            <a:r>
+              <a:rPr lang="en-US" sz="1400" b="0" dirty="0" err="1">
+                <a:solidFill>
+                  <a:srgbClr val="000000"/>
+                </a:solidFill>
+                <a:effectLst/>
+                <a:latin typeface="Consolas" panose="020B0609020204030204" pitchFamily="49" charset="0"/>
+              </a:rPr>
+              <a:t>p.b</a:t>
+            </a:r>
+            <a:r>
+              <a:rPr lang="en-US" sz="1400" b="0" dirty="0">
+                <a:solidFill>
+                  <a:srgbClr val="000000"/>
+                </a:solidFill>
+                <a:effectLst/>
+                <a:latin typeface="Consolas" panose="020B0609020204030204" pitchFamily="49" charset="0"/>
+              </a:rPr>
+              <a:t> = </a:t>
+            </a:r>
+            <a:r>
+              <a:rPr lang="en-US" sz="1400" b="0" dirty="0" err="1">
+                <a:solidFill>
+                  <a:srgbClr val="000000"/>
+                </a:solidFill>
+                <a:effectLst/>
+                <a:latin typeface="Consolas" panose="020B0609020204030204" pitchFamily="49" charset="0"/>
+              </a:rPr>
+              <a:t>p.b</a:t>
+            </a:r>
+            <a:r>
+              <a:rPr lang="en-US" sz="1400" b="0" dirty="0">
+                <a:solidFill>
+                  <a:srgbClr val="000000"/>
+                </a:solidFill>
+                <a:effectLst/>
+                <a:latin typeface="Consolas" panose="020B0609020204030204" pitchFamily="49" charset="0"/>
+              </a:rPr>
+              <a:t> &gt; </a:t>
+            </a:r>
+            <a:r>
+              <a:rPr lang="en-US" sz="1400" b="0" dirty="0">
+                <a:solidFill>
+                  <a:srgbClr val="098658"/>
+                </a:solidFill>
+                <a:effectLst/>
+                <a:latin typeface="Consolas" panose="020B0609020204030204" pitchFamily="49" charset="0"/>
+              </a:rPr>
+              <a:t>255</a:t>
+            </a:r>
+            <a:r>
+              <a:rPr lang="en-US" sz="1400" b="0" dirty="0">
+                <a:solidFill>
+                  <a:srgbClr val="000000"/>
+                </a:solidFill>
+                <a:effectLst/>
+                <a:latin typeface="Consolas" panose="020B0609020204030204" pitchFamily="49" charset="0"/>
+              </a:rPr>
+              <a:t> ? </a:t>
+            </a:r>
+            <a:r>
+              <a:rPr lang="en-US" sz="1400" b="0" dirty="0">
+                <a:solidFill>
+                  <a:srgbClr val="098658"/>
+                </a:solidFill>
+                <a:effectLst/>
+                <a:latin typeface="Consolas" panose="020B0609020204030204" pitchFamily="49" charset="0"/>
+              </a:rPr>
+              <a:t>255</a:t>
+            </a:r>
+            <a:r>
+              <a:rPr lang="en-US" sz="1400" b="0" dirty="0">
+                <a:solidFill>
+                  <a:srgbClr val="000000"/>
+                </a:solidFill>
+                <a:effectLst/>
+                <a:latin typeface="Consolas" panose="020B0609020204030204" pitchFamily="49" charset="0"/>
+              </a:rPr>
+              <a:t> : </a:t>
+            </a:r>
+            <a:r>
+              <a:rPr lang="en-US" sz="1400" b="0" dirty="0" err="1">
+                <a:solidFill>
+                  <a:srgbClr val="000000"/>
+                </a:solidFill>
+                <a:effectLst/>
+                <a:latin typeface="Consolas" panose="020B0609020204030204" pitchFamily="49" charset="0"/>
+              </a:rPr>
+              <a:t>p.b</a:t>
+            </a:r>
+            <a:r>
+              <a:rPr lang="en-US" sz="1400" b="0" dirty="0">
+                <a:solidFill>
+                  <a:srgbClr val="000000"/>
+                </a:solidFill>
+                <a:effectLst/>
+                <a:latin typeface="Consolas" panose="020B0609020204030204" pitchFamily="49" charset="0"/>
+              </a:rPr>
+              <a:t>;</a:t>
+            </a:r>
+          </a:p>
+          <a:p>
+            <a:r>
+              <a:rPr lang="en-US" sz="1400" b="0" dirty="0">
+                <a:solidFill>
+                  <a:srgbClr val="000000"/>
+                </a:solidFill>
+                <a:effectLst/>
+                <a:latin typeface="Consolas" panose="020B0609020204030204" pitchFamily="49" charset="0"/>
+              </a:rPr>
+              <a:t>        </a:t>
+            </a:r>
+            <a:r>
+              <a:rPr lang="en-US" sz="1400" b="0" dirty="0">
+                <a:solidFill>
+                  <a:srgbClr val="0000FF"/>
+                </a:solidFill>
+                <a:effectLst/>
+                <a:latin typeface="Consolas" panose="020B0609020204030204" pitchFamily="49" charset="0"/>
+              </a:rPr>
+              <a:t>return</a:t>
+            </a:r>
+            <a:r>
+              <a:rPr lang="en-US" sz="1400" b="0" dirty="0">
+                <a:solidFill>
+                  <a:srgbClr val="000000"/>
+                </a:solidFill>
+                <a:effectLst/>
+                <a:latin typeface="Consolas" panose="020B0609020204030204" pitchFamily="49" charset="0"/>
+              </a:rPr>
+              <a:t> p;</a:t>
+            </a:r>
+          </a:p>
+          <a:p>
+            <a:r>
+              <a:rPr lang="en-US" sz="1400" b="0" dirty="0">
+                <a:solidFill>
+                  <a:srgbClr val="000000"/>
+                </a:solidFill>
+                <a:effectLst/>
+                <a:latin typeface="Consolas" panose="020B0609020204030204" pitchFamily="49" charset="0"/>
+              </a:rPr>
+              <a:t>    };</a:t>
+            </a:r>
+          </a:p>
+          <a:p>
+            <a:br>
+              <a:rPr lang="en-US" sz="1400" b="0" dirty="0">
+                <a:solidFill>
+                  <a:srgbClr val="000000"/>
+                </a:solidFill>
+                <a:effectLst/>
+                <a:latin typeface="Consolas" panose="020B0609020204030204" pitchFamily="49" charset="0"/>
+              </a:rPr>
+            </a:br>
+            <a:r>
+              <a:rPr lang="en-US" sz="1400" b="0" dirty="0">
+                <a:solidFill>
+                  <a:srgbClr val="000000"/>
+                </a:solidFill>
+                <a:effectLst/>
+                <a:latin typeface="Consolas" panose="020B0609020204030204" pitchFamily="49" charset="0"/>
+              </a:rPr>
+              <a:t>    std::vector&lt;Pixel&gt; </a:t>
+            </a:r>
+            <a:r>
+              <a:rPr lang="en-US" sz="1400" b="0" dirty="0" err="1">
+                <a:solidFill>
+                  <a:srgbClr val="000000"/>
+                </a:solidFill>
+                <a:effectLst/>
+                <a:latin typeface="Consolas" panose="020B0609020204030204" pitchFamily="49" charset="0"/>
+              </a:rPr>
+              <a:t>filtered_pixels</a:t>
+            </a:r>
+            <a:r>
+              <a:rPr lang="en-US" sz="1400" b="0" dirty="0">
+                <a:solidFill>
+                  <a:srgbClr val="000000"/>
+                </a:solidFill>
+                <a:effectLst/>
+                <a:latin typeface="Consolas" panose="020B0609020204030204" pitchFamily="49" charset="0"/>
+              </a:rPr>
+              <a:t>;</a:t>
+            </a:r>
+          </a:p>
+          <a:p>
+            <a:r>
+              <a:rPr lang="en-US" sz="1400" b="0" dirty="0">
+                <a:solidFill>
+                  <a:srgbClr val="000000"/>
+                </a:solidFill>
+                <a:effectLst/>
+                <a:latin typeface="Consolas" panose="020B0609020204030204" pitchFamily="49" charset="0"/>
+              </a:rPr>
+              <a:t>    </a:t>
+            </a:r>
+            <a:r>
+              <a:rPr lang="en-US" sz="1400" b="0" dirty="0">
+                <a:solidFill>
+                  <a:srgbClr val="0000FF"/>
+                </a:solidFill>
+                <a:effectLst/>
+                <a:latin typeface="Consolas" panose="020B0609020204030204" pitchFamily="49" charset="0"/>
+              </a:rPr>
+              <a:t>for</a:t>
+            </a:r>
+            <a:r>
+              <a:rPr lang="en-US" sz="1400" b="0" dirty="0">
+                <a:solidFill>
+                  <a:srgbClr val="000000"/>
+                </a:solidFill>
+                <a:effectLst/>
+                <a:latin typeface="Consolas" panose="020B0609020204030204" pitchFamily="49" charset="0"/>
+              </a:rPr>
+              <a:t> (</a:t>
+            </a:r>
+            <a:r>
+              <a:rPr lang="en-US" sz="1400" b="0" dirty="0">
+                <a:solidFill>
+                  <a:srgbClr val="0000FF"/>
+                </a:solidFill>
+                <a:effectLst/>
+                <a:latin typeface="Consolas" panose="020B0609020204030204" pitchFamily="49" charset="0"/>
+              </a:rPr>
+              <a:t>const</a:t>
+            </a:r>
+            <a:r>
+              <a:rPr lang="en-US" sz="1400" b="0" dirty="0">
+                <a:solidFill>
+                  <a:srgbClr val="000000"/>
+                </a:solidFill>
+                <a:effectLst/>
+                <a:latin typeface="Consolas" panose="020B0609020204030204" pitchFamily="49" charset="0"/>
+              </a:rPr>
+              <a:t> </a:t>
+            </a:r>
+            <a:r>
+              <a:rPr lang="en-US" sz="1400" b="0" dirty="0">
+                <a:solidFill>
+                  <a:srgbClr val="0000FF"/>
+                </a:solidFill>
+                <a:effectLst/>
+                <a:latin typeface="Consolas" panose="020B0609020204030204" pitchFamily="49" charset="0"/>
+              </a:rPr>
+              <a:t>auto</a:t>
+            </a:r>
+            <a:r>
+              <a:rPr lang="en-US" sz="1400" b="0" dirty="0">
+                <a:solidFill>
+                  <a:srgbClr val="000000"/>
+                </a:solidFill>
+                <a:effectLst/>
+                <a:latin typeface="Consolas" panose="020B0609020204030204" pitchFamily="49" charset="0"/>
+              </a:rPr>
+              <a:t>&amp; pixel : </a:t>
+            </a:r>
+            <a:r>
+              <a:rPr lang="en-US" sz="1400" b="0" dirty="0" err="1">
+                <a:solidFill>
+                  <a:srgbClr val="000000"/>
+                </a:solidFill>
+                <a:effectLst/>
+                <a:latin typeface="Consolas" panose="020B0609020204030204" pitchFamily="49" charset="0"/>
+              </a:rPr>
+              <a:t>createRandomImage</a:t>
+            </a:r>
+            <a:r>
+              <a:rPr lang="en-US" sz="1400" b="0" dirty="0">
+                <a:solidFill>
+                  <a:srgbClr val="000000"/>
+                </a:solidFill>
+                <a:effectLst/>
+                <a:latin typeface="Consolas" panose="020B0609020204030204" pitchFamily="49" charset="0"/>
+              </a:rPr>
+              <a:t>(</a:t>
+            </a:r>
+            <a:r>
+              <a:rPr lang="en-US" sz="1400" b="0" dirty="0">
+                <a:solidFill>
+                  <a:srgbClr val="098658"/>
+                </a:solidFill>
+                <a:effectLst/>
+                <a:latin typeface="Consolas" panose="020B0609020204030204" pitchFamily="49" charset="0"/>
+              </a:rPr>
+              <a:t>10</a:t>
+            </a:r>
+            <a:r>
+              <a:rPr lang="en-US" sz="1400" b="0" dirty="0">
+                <a:solidFill>
+                  <a:srgbClr val="000000"/>
+                </a:solidFill>
+                <a:effectLst/>
+                <a:latin typeface="Consolas" panose="020B0609020204030204" pitchFamily="49" charset="0"/>
+              </a:rPr>
+              <a:t>).data()) {</a:t>
+            </a:r>
+          </a:p>
+          <a:p>
+            <a:r>
+              <a:rPr lang="en-US" sz="1400" b="0" dirty="0">
+                <a:solidFill>
+                  <a:srgbClr val="000000"/>
+                </a:solidFill>
+                <a:effectLst/>
+                <a:latin typeface="Consolas" panose="020B0609020204030204" pitchFamily="49" charset="0"/>
+              </a:rPr>
+              <a:t>        </a:t>
+            </a:r>
+            <a:r>
+              <a:rPr lang="en-US" sz="1400" b="0" dirty="0" err="1">
+                <a:solidFill>
+                  <a:srgbClr val="000000"/>
+                </a:solidFill>
+                <a:effectLst/>
+                <a:latin typeface="Consolas" panose="020B0609020204030204" pitchFamily="49" charset="0"/>
+              </a:rPr>
+              <a:t>filtered_pixels.push_back</a:t>
+            </a:r>
+            <a:r>
+              <a:rPr lang="en-US" sz="1400" b="0" dirty="0">
+                <a:solidFill>
+                  <a:srgbClr val="000000"/>
+                </a:solidFill>
+                <a:effectLst/>
+                <a:latin typeface="Consolas" panose="020B0609020204030204" pitchFamily="49" charset="0"/>
+              </a:rPr>
+              <a:t>(filter(pixel));</a:t>
+            </a:r>
+          </a:p>
+          <a:p>
+            <a:r>
+              <a:rPr lang="en-US" sz="1400" b="0" dirty="0">
+                <a:solidFill>
+                  <a:srgbClr val="000000"/>
+                </a:solidFill>
+                <a:effectLst/>
+                <a:latin typeface="Consolas" panose="020B0609020204030204" pitchFamily="49" charset="0"/>
+              </a:rPr>
+              <a:t>    }</a:t>
+            </a:r>
+          </a:p>
+          <a:p>
+            <a:br>
+              <a:rPr lang="en-US" sz="1400" b="0" dirty="0">
+                <a:solidFill>
+                  <a:srgbClr val="000000"/>
+                </a:solidFill>
+                <a:effectLst/>
+                <a:latin typeface="Consolas" panose="020B0609020204030204" pitchFamily="49" charset="0"/>
+              </a:rPr>
+            </a:br>
+            <a:r>
+              <a:rPr lang="en-US" sz="1400" b="0" dirty="0">
+                <a:solidFill>
+                  <a:srgbClr val="000000"/>
+                </a:solidFill>
+                <a:effectLst/>
+                <a:latin typeface="Consolas" panose="020B0609020204030204" pitchFamily="49" charset="0"/>
+              </a:rPr>
+              <a:t>    </a:t>
+            </a:r>
+            <a:r>
+              <a:rPr lang="en-US" sz="1400" b="0" dirty="0">
+                <a:solidFill>
+                  <a:srgbClr val="0000FF"/>
+                </a:solidFill>
+                <a:effectLst/>
+                <a:latin typeface="Consolas" panose="020B0609020204030204" pitchFamily="49" charset="0"/>
+              </a:rPr>
+              <a:t>for</a:t>
+            </a:r>
+            <a:r>
+              <a:rPr lang="en-US" sz="1400" b="0" dirty="0">
+                <a:solidFill>
+                  <a:srgbClr val="000000"/>
+                </a:solidFill>
+                <a:effectLst/>
+                <a:latin typeface="Consolas" panose="020B0609020204030204" pitchFamily="49" charset="0"/>
+              </a:rPr>
+              <a:t> (</a:t>
+            </a:r>
+            <a:r>
+              <a:rPr lang="en-US" sz="1400" b="0" dirty="0">
+                <a:solidFill>
+                  <a:srgbClr val="0000FF"/>
+                </a:solidFill>
+                <a:effectLst/>
+                <a:latin typeface="Consolas" panose="020B0609020204030204" pitchFamily="49" charset="0"/>
+              </a:rPr>
+              <a:t>const</a:t>
+            </a:r>
+            <a:r>
+              <a:rPr lang="en-US" sz="1400" b="0" dirty="0">
+                <a:solidFill>
+                  <a:srgbClr val="000000"/>
+                </a:solidFill>
+                <a:effectLst/>
+                <a:latin typeface="Consolas" panose="020B0609020204030204" pitchFamily="49" charset="0"/>
+              </a:rPr>
+              <a:t> </a:t>
+            </a:r>
+            <a:r>
+              <a:rPr lang="en-US" sz="1400" b="0" dirty="0">
+                <a:solidFill>
+                  <a:srgbClr val="0000FF"/>
+                </a:solidFill>
+                <a:effectLst/>
+                <a:latin typeface="Consolas" panose="020B0609020204030204" pitchFamily="49" charset="0"/>
+              </a:rPr>
+              <a:t>auto</a:t>
+            </a:r>
+            <a:r>
+              <a:rPr lang="en-US" sz="1400" b="0" dirty="0">
+                <a:solidFill>
+                  <a:srgbClr val="000000"/>
+                </a:solidFill>
+                <a:effectLst/>
+                <a:latin typeface="Consolas" panose="020B0609020204030204" pitchFamily="49" charset="0"/>
+              </a:rPr>
+              <a:t>&amp; pixel : </a:t>
+            </a:r>
+            <a:r>
+              <a:rPr lang="en-US" sz="1400" b="0" dirty="0" err="1">
+                <a:solidFill>
+                  <a:srgbClr val="000000"/>
+                </a:solidFill>
+                <a:effectLst/>
+                <a:latin typeface="Consolas" panose="020B0609020204030204" pitchFamily="49" charset="0"/>
+              </a:rPr>
+              <a:t>filtered_pixels</a:t>
+            </a:r>
+            <a:r>
+              <a:rPr lang="en-US" sz="1400" b="0" dirty="0">
+                <a:solidFill>
+                  <a:srgbClr val="000000"/>
+                </a:solidFill>
+                <a:effectLst/>
+                <a:latin typeface="Consolas" panose="020B0609020204030204" pitchFamily="49" charset="0"/>
+              </a:rPr>
+              <a:t>) {</a:t>
+            </a:r>
+          </a:p>
+          <a:p>
+            <a:r>
+              <a:rPr lang="en-US" sz="1400" b="0" dirty="0">
+                <a:solidFill>
+                  <a:srgbClr val="000000"/>
+                </a:solidFill>
+                <a:effectLst/>
+                <a:latin typeface="Consolas" panose="020B0609020204030204" pitchFamily="49" charset="0"/>
+              </a:rPr>
+              <a:t>        std::</a:t>
+            </a:r>
+            <a:r>
+              <a:rPr lang="en-US" sz="1400" b="0" dirty="0" err="1">
+                <a:solidFill>
+                  <a:srgbClr val="000000"/>
+                </a:solidFill>
+                <a:effectLst/>
+                <a:latin typeface="Consolas" panose="020B0609020204030204" pitchFamily="49" charset="0"/>
+              </a:rPr>
+              <a:t>cout</a:t>
+            </a:r>
+            <a:r>
+              <a:rPr lang="en-US" sz="1400" b="0" dirty="0">
+                <a:solidFill>
+                  <a:srgbClr val="000000"/>
+                </a:solidFill>
+                <a:effectLst/>
+                <a:latin typeface="Consolas" panose="020B0609020204030204" pitchFamily="49" charset="0"/>
+              </a:rPr>
+              <a:t> &lt;&lt; </a:t>
+            </a:r>
+            <a:r>
+              <a:rPr lang="en-US" sz="1400" b="0" dirty="0" err="1">
+                <a:solidFill>
+                  <a:srgbClr val="000000"/>
+                </a:solidFill>
+                <a:effectLst/>
+                <a:latin typeface="Consolas" panose="020B0609020204030204" pitchFamily="49" charset="0"/>
+              </a:rPr>
+              <a:t>pixel.r</a:t>
+            </a:r>
+            <a:r>
+              <a:rPr lang="en-US" sz="1400" b="0" dirty="0">
+                <a:solidFill>
+                  <a:srgbClr val="000000"/>
+                </a:solidFill>
+                <a:effectLst/>
+                <a:latin typeface="Consolas" panose="020B0609020204030204" pitchFamily="49" charset="0"/>
+              </a:rPr>
+              <a:t> &lt;&lt; </a:t>
+            </a:r>
+            <a:r>
+              <a:rPr lang="en-US" sz="1400" b="0" dirty="0">
+                <a:solidFill>
+                  <a:srgbClr val="A31515"/>
+                </a:solidFill>
+                <a:effectLst/>
+                <a:latin typeface="Consolas" panose="020B0609020204030204" pitchFamily="49" charset="0"/>
+              </a:rPr>
+              <a:t>" "</a:t>
+            </a:r>
+            <a:r>
+              <a:rPr lang="en-US" sz="1400" b="0" dirty="0">
+                <a:solidFill>
+                  <a:srgbClr val="000000"/>
+                </a:solidFill>
+                <a:effectLst/>
+                <a:latin typeface="Consolas" panose="020B0609020204030204" pitchFamily="49" charset="0"/>
+              </a:rPr>
+              <a:t> &lt;&lt; </a:t>
+            </a:r>
+            <a:r>
+              <a:rPr lang="en-US" sz="1400" b="0" dirty="0" err="1">
+                <a:solidFill>
+                  <a:srgbClr val="000000"/>
+                </a:solidFill>
+                <a:effectLst/>
+                <a:latin typeface="Consolas" panose="020B0609020204030204" pitchFamily="49" charset="0"/>
+              </a:rPr>
+              <a:t>pixel.g</a:t>
+            </a:r>
+            <a:r>
+              <a:rPr lang="en-US" sz="1400" b="0" dirty="0">
+                <a:solidFill>
+                  <a:srgbClr val="000000"/>
+                </a:solidFill>
+                <a:effectLst/>
+                <a:latin typeface="Consolas" panose="020B0609020204030204" pitchFamily="49" charset="0"/>
+              </a:rPr>
+              <a:t> &lt;&lt; </a:t>
+            </a:r>
+            <a:r>
+              <a:rPr lang="en-US" sz="1400" b="0" dirty="0">
+                <a:solidFill>
+                  <a:srgbClr val="A31515"/>
+                </a:solidFill>
+                <a:effectLst/>
+                <a:latin typeface="Consolas" panose="020B0609020204030204" pitchFamily="49" charset="0"/>
+              </a:rPr>
+              <a:t>" "</a:t>
+            </a:r>
+            <a:r>
+              <a:rPr lang="en-US" sz="1400" b="0" dirty="0">
+                <a:solidFill>
+                  <a:srgbClr val="000000"/>
+                </a:solidFill>
+                <a:effectLst/>
+                <a:latin typeface="Consolas" panose="020B0609020204030204" pitchFamily="49" charset="0"/>
+              </a:rPr>
+              <a:t> &lt;&lt; </a:t>
+            </a:r>
+            <a:r>
+              <a:rPr lang="en-US" sz="1400" b="0" dirty="0" err="1">
+                <a:solidFill>
+                  <a:srgbClr val="000000"/>
+                </a:solidFill>
+                <a:effectLst/>
+                <a:latin typeface="Consolas" panose="020B0609020204030204" pitchFamily="49" charset="0"/>
+              </a:rPr>
+              <a:t>pixel.b</a:t>
+            </a:r>
+            <a:r>
+              <a:rPr lang="en-US" sz="1400" b="0" dirty="0">
+                <a:solidFill>
+                  <a:srgbClr val="000000"/>
+                </a:solidFill>
+                <a:effectLst/>
+                <a:latin typeface="Consolas" panose="020B0609020204030204" pitchFamily="49" charset="0"/>
+              </a:rPr>
+              <a:t> &lt;&lt; std::</a:t>
+            </a:r>
+            <a:r>
+              <a:rPr lang="en-US" sz="1400" b="0" dirty="0" err="1">
+                <a:solidFill>
+                  <a:srgbClr val="000000"/>
+                </a:solidFill>
+                <a:effectLst/>
+                <a:latin typeface="Consolas" panose="020B0609020204030204" pitchFamily="49" charset="0"/>
+              </a:rPr>
+              <a:t>endl</a:t>
+            </a:r>
+            <a:r>
+              <a:rPr lang="en-US" sz="1400" b="0" dirty="0">
+                <a:solidFill>
+                  <a:srgbClr val="000000"/>
+                </a:solidFill>
+                <a:effectLst/>
+                <a:latin typeface="Consolas" panose="020B0609020204030204" pitchFamily="49" charset="0"/>
+              </a:rPr>
+              <a:t>;</a:t>
+            </a:r>
+          </a:p>
+          <a:p>
+            <a:r>
+              <a:rPr lang="en-US" sz="1400" b="0" dirty="0">
+                <a:solidFill>
+                  <a:srgbClr val="000000"/>
+                </a:solidFill>
+                <a:effectLst/>
+                <a:latin typeface="Consolas" panose="020B0609020204030204" pitchFamily="49" charset="0"/>
+              </a:rPr>
+              <a:t>    }</a:t>
+            </a:r>
+          </a:p>
+          <a:p>
+            <a:br>
+              <a:rPr lang="en-US" sz="1400" b="0" dirty="0">
+                <a:solidFill>
+                  <a:srgbClr val="000000"/>
+                </a:solidFill>
+                <a:effectLst/>
+                <a:latin typeface="Consolas" panose="020B0609020204030204" pitchFamily="49" charset="0"/>
+              </a:rPr>
+            </a:br>
+            <a:r>
+              <a:rPr lang="en-US" sz="1400" b="0" dirty="0">
+                <a:solidFill>
+                  <a:srgbClr val="000000"/>
+                </a:solidFill>
+                <a:effectLst/>
+                <a:latin typeface="Consolas" panose="020B0609020204030204" pitchFamily="49" charset="0"/>
+              </a:rPr>
+              <a:t>    </a:t>
+            </a:r>
+            <a:r>
+              <a:rPr lang="en-US" sz="1400" b="0" dirty="0">
+                <a:solidFill>
+                  <a:srgbClr val="0000FF"/>
+                </a:solidFill>
+                <a:effectLst/>
+                <a:latin typeface="Consolas" panose="020B0609020204030204" pitchFamily="49" charset="0"/>
+              </a:rPr>
+              <a:t>return</a:t>
+            </a:r>
+            <a:r>
+              <a:rPr lang="en-US" sz="1400" b="0" dirty="0">
+                <a:solidFill>
+                  <a:srgbClr val="000000"/>
+                </a:solidFill>
+                <a:effectLst/>
+                <a:latin typeface="Consolas" panose="020B0609020204030204" pitchFamily="49" charset="0"/>
+              </a:rPr>
+              <a:t> </a:t>
+            </a:r>
+            <a:r>
+              <a:rPr lang="en-US" sz="1400" b="0" dirty="0">
+                <a:solidFill>
+                  <a:srgbClr val="098658"/>
+                </a:solidFill>
+                <a:effectLst/>
+                <a:latin typeface="Consolas" panose="020B0609020204030204" pitchFamily="49" charset="0"/>
+              </a:rPr>
+              <a:t>0</a:t>
+            </a:r>
+            <a:r>
+              <a:rPr lang="en-US" sz="1400" b="0" dirty="0">
+                <a:solidFill>
+                  <a:srgbClr val="000000"/>
+                </a:solidFill>
+                <a:effectLst/>
+                <a:latin typeface="Consolas" panose="020B0609020204030204" pitchFamily="49" charset="0"/>
+              </a:rPr>
+              <a:t>;</a:t>
+            </a:r>
+          </a:p>
+          <a:p>
+            <a:r>
+              <a:rPr lang="en-US" sz="1400" b="0" dirty="0">
+                <a:solidFill>
+                  <a:srgbClr val="000000"/>
+                </a:solidFill>
+                <a:effectLst/>
+                <a:latin typeface="Consolas" panose="020B0609020204030204" pitchFamily="49" charset="0"/>
+              </a:rPr>
+              <a:t>}</a:t>
+            </a:r>
+          </a:p>
+        </p:txBody>
+      </p:sp>
+    </p:spTree>
+    <p:extLst>
+      <p:ext uri="{BB962C8B-B14F-4D97-AF65-F5344CB8AC3E}">
+        <p14:creationId xmlns:p14="http://schemas.microsoft.com/office/powerpoint/2010/main" val="1018396137"/>
       </p:ext>
     </p:extLst>
   </p:cSld>
